--- a/문서/화면 설계서/화면설계서 신기항.pptx
+++ b/문서/화면 설계서/화면설계서 신기항.pptx
@@ -5,7 +5,7 @@
     <p:sldMasterId id="2147483648" r:id="rId1"/>
   </p:sldMasterIdLst>
   <p:notesMasterIdLst>
-    <p:notesMasterId r:id="rId11"/>
+    <p:notesMasterId r:id="rId13"/>
   </p:notesMasterIdLst>
   <p:sldIdLst>
     <p:sldId id="256" r:id="rId2"/>
@@ -17,6 +17,8 @@
     <p:sldId id="658" r:id="rId8"/>
     <p:sldId id="659" r:id="rId9"/>
     <p:sldId id="660" r:id="rId10"/>
+    <p:sldId id="695" r:id="rId11"/>
+    <p:sldId id="696" r:id="rId12"/>
   </p:sldIdLst>
   <p:sldSz cx="12192000" cy="6858000"/>
   <p:notesSz cx="6858000" cy="9144000"/>
@@ -205,7 +207,7 @@
           <a:p>
             <a:fld id="{DE46606B-10AF-4B3B-BA46-8C4FF7D04F47}" type="datetimeFigureOut">
               <a:rPr lang="ko-KR" altLang="en-US" smtClean="0"/>
-              <a:t>2022-07-14</a:t>
+              <a:t>2022-07-15</a:t>
             </a:fld>
             <a:endParaRPr lang="ko-KR" altLang="en-US"/>
           </a:p>
@@ -758,7 +760,7 @@
 </p:notes>
 </file>
 
-<file path=ppt/notesSlides/notesSlide2.xml><?xml version="1.0" encoding="utf-8"?>
+<file path=ppt/notesSlides/notesSlide10.xml><?xml version="1.0" encoding="utf-8"?>
 <p:notes xmlns:a="http://schemas.openxmlformats.org/drawingml/2006/main" xmlns:r="http://schemas.openxmlformats.org/officeDocument/2006/relationships" xmlns:p="http://schemas.openxmlformats.org/presentationml/2006/main">
   <p:cSld>
     <p:spTree>
@@ -1019,7 +1021,7 @@
                 <a:ea typeface="굴림" pitchFamily="50" charset="-127"/>
               </a:rPr>
               <a:pPr algn="r" eaLnBrk="1" hangingPunct="1"/>
-              <a:t>3</a:t>
+              <a:t>11</a:t>
             </a:fld>
             <a:endParaRPr kumimoji="1" lang="en-US" altLang="ko-KR" sz="1200" b="0">
               <a:solidFill>
@@ -1034,7 +1036,7 @@
     </p:spTree>
     <p:extLst>
       <p:ext uri="{BB962C8B-B14F-4D97-AF65-F5344CB8AC3E}">
-        <p14:creationId xmlns:p14="http://schemas.microsoft.com/office/powerpoint/2010/main" val="4042939902"/>
+        <p14:creationId xmlns:p14="http://schemas.microsoft.com/office/powerpoint/2010/main" val="240706738"/>
       </p:ext>
     </p:extLst>
   </p:cSld>
@@ -1044,7 +1046,7 @@
 </p:notes>
 </file>
 
-<file path=ppt/notesSlides/notesSlide3.xml><?xml version="1.0" encoding="utf-8"?>
+<file path=ppt/notesSlides/notesSlide2.xml><?xml version="1.0" encoding="utf-8"?>
 <p:notes xmlns:a="http://schemas.openxmlformats.org/drawingml/2006/main" xmlns:r="http://schemas.openxmlformats.org/officeDocument/2006/relationships" xmlns:p="http://schemas.openxmlformats.org/presentationml/2006/main">
   <p:cSld>
     <p:spTree>
@@ -1305,7 +1307,7 @@
                 <a:ea typeface="굴림" pitchFamily="50" charset="-127"/>
               </a:rPr>
               <a:pPr algn="r" eaLnBrk="1" hangingPunct="1"/>
-              <a:t>4</a:t>
+              <a:t>3</a:t>
             </a:fld>
             <a:endParaRPr kumimoji="1" lang="en-US" altLang="ko-KR" sz="1200" b="0">
               <a:solidFill>
@@ -1320,7 +1322,7 @@
     </p:spTree>
     <p:extLst>
       <p:ext uri="{BB962C8B-B14F-4D97-AF65-F5344CB8AC3E}">
-        <p14:creationId xmlns:p14="http://schemas.microsoft.com/office/powerpoint/2010/main" val="2484846011"/>
+        <p14:creationId xmlns:p14="http://schemas.microsoft.com/office/powerpoint/2010/main" val="4042939902"/>
       </p:ext>
     </p:extLst>
   </p:cSld>
@@ -1330,7 +1332,7 @@
 </p:notes>
 </file>
 
-<file path=ppt/notesSlides/notesSlide4.xml><?xml version="1.0" encoding="utf-8"?>
+<file path=ppt/notesSlides/notesSlide3.xml><?xml version="1.0" encoding="utf-8"?>
 <p:notes xmlns:a="http://schemas.openxmlformats.org/drawingml/2006/main" xmlns:r="http://schemas.openxmlformats.org/officeDocument/2006/relationships" xmlns:p="http://schemas.openxmlformats.org/presentationml/2006/main">
   <p:cSld>
     <p:spTree>
@@ -1591,7 +1593,7 @@
                 <a:ea typeface="굴림" pitchFamily="50" charset="-127"/>
               </a:rPr>
               <a:pPr algn="r" eaLnBrk="1" hangingPunct="1"/>
-              <a:t>5</a:t>
+              <a:t>4</a:t>
             </a:fld>
             <a:endParaRPr kumimoji="1" lang="en-US" altLang="ko-KR" sz="1200" b="0">
               <a:solidFill>
@@ -1606,7 +1608,7 @@
     </p:spTree>
     <p:extLst>
       <p:ext uri="{BB962C8B-B14F-4D97-AF65-F5344CB8AC3E}">
-        <p14:creationId xmlns:p14="http://schemas.microsoft.com/office/powerpoint/2010/main" val="2344658533"/>
+        <p14:creationId xmlns:p14="http://schemas.microsoft.com/office/powerpoint/2010/main" val="2484846011"/>
       </p:ext>
     </p:extLst>
   </p:cSld>
@@ -1616,7 +1618,7 @@
 </p:notes>
 </file>
 
-<file path=ppt/notesSlides/notesSlide5.xml><?xml version="1.0" encoding="utf-8"?>
+<file path=ppt/notesSlides/notesSlide4.xml><?xml version="1.0" encoding="utf-8"?>
 <p:notes xmlns:a="http://schemas.openxmlformats.org/drawingml/2006/main" xmlns:r="http://schemas.openxmlformats.org/officeDocument/2006/relationships" xmlns:p="http://schemas.openxmlformats.org/presentationml/2006/main">
   <p:cSld>
     <p:spTree>
@@ -1877,7 +1879,7 @@
                 <a:ea typeface="굴림" pitchFamily="50" charset="-127"/>
               </a:rPr>
               <a:pPr algn="r" eaLnBrk="1" hangingPunct="1"/>
-              <a:t>6</a:t>
+              <a:t>5</a:t>
             </a:fld>
             <a:endParaRPr kumimoji="1" lang="en-US" altLang="ko-KR" sz="1200" b="0">
               <a:solidFill>
@@ -1892,7 +1894,7 @@
     </p:spTree>
     <p:extLst>
       <p:ext uri="{BB962C8B-B14F-4D97-AF65-F5344CB8AC3E}">
-        <p14:creationId xmlns:p14="http://schemas.microsoft.com/office/powerpoint/2010/main" val="4277052361"/>
+        <p14:creationId xmlns:p14="http://schemas.microsoft.com/office/powerpoint/2010/main" val="2344658533"/>
       </p:ext>
     </p:extLst>
   </p:cSld>
@@ -1902,7 +1904,7 @@
 </p:notes>
 </file>
 
-<file path=ppt/notesSlides/notesSlide6.xml><?xml version="1.0" encoding="utf-8"?>
+<file path=ppt/notesSlides/notesSlide5.xml><?xml version="1.0" encoding="utf-8"?>
 <p:notes xmlns:a="http://schemas.openxmlformats.org/drawingml/2006/main" xmlns:r="http://schemas.openxmlformats.org/officeDocument/2006/relationships" xmlns:p="http://schemas.openxmlformats.org/presentationml/2006/main">
   <p:cSld>
     <p:spTree>
@@ -2163,7 +2165,7 @@
                 <a:ea typeface="굴림" pitchFamily="50" charset="-127"/>
               </a:rPr>
               <a:pPr algn="r" eaLnBrk="1" hangingPunct="1"/>
-              <a:t>7</a:t>
+              <a:t>6</a:t>
             </a:fld>
             <a:endParaRPr kumimoji="1" lang="en-US" altLang="ko-KR" sz="1200" b="0">
               <a:solidFill>
@@ -2178,7 +2180,7 @@
     </p:spTree>
     <p:extLst>
       <p:ext uri="{BB962C8B-B14F-4D97-AF65-F5344CB8AC3E}">
-        <p14:creationId xmlns:p14="http://schemas.microsoft.com/office/powerpoint/2010/main" val="1250670246"/>
+        <p14:creationId xmlns:p14="http://schemas.microsoft.com/office/powerpoint/2010/main" val="4277052361"/>
       </p:ext>
     </p:extLst>
   </p:cSld>
@@ -2188,7 +2190,7 @@
 </p:notes>
 </file>
 
-<file path=ppt/notesSlides/notesSlide7.xml><?xml version="1.0" encoding="utf-8"?>
+<file path=ppt/notesSlides/notesSlide6.xml><?xml version="1.0" encoding="utf-8"?>
 <p:notes xmlns:a="http://schemas.openxmlformats.org/drawingml/2006/main" xmlns:r="http://schemas.openxmlformats.org/officeDocument/2006/relationships" xmlns:p="http://schemas.openxmlformats.org/presentationml/2006/main">
   <p:cSld>
     <p:spTree>
@@ -2449,7 +2451,7 @@
                 <a:ea typeface="굴림" pitchFamily="50" charset="-127"/>
               </a:rPr>
               <a:pPr algn="r" eaLnBrk="1" hangingPunct="1"/>
-              <a:t>8</a:t>
+              <a:t>7</a:t>
             </a:fld>
             <a:endParaRPr kumimoji="1" lang="en-US" altLang="ko-KR" sz="1200" b="0">
               <a:solidFill>
@@ -2464,7 +2466,7 @@
     </p:spTree>
     <p:extLst>
       <p:ext uri="{BB962C8B-B14F-4D97-AF65-F5344CB8AC3E}">
-        <p14:creationId xmlns:p14="http://schemas.microsoft.com/office/powerpoint/2010/main" val="3977728172"/>
+        <p14:creationId xmlns:p14="http://schemas.microsoft.com/office/powerpoint/2010/main" val="1250670246"/>
       </p:ext>
     </p:extLst>
   </p:cSld>
@@ -2474,7 +2476,7 @@
 </p:notes>
 </file>
 
-<file path=ppt/notesSlides/notesSlide8.xml><?xml version="1.0" encoding="utf-8"?>
+<file path=ppt/notesSlides/notesSlide7.xml><?xml version="1.0" encoding="utf-8"?>
 <p:notes xmlns:a="http://schemas.openxmlformats.org/drawingml/2006/main" xmlns:r="http://schemas.openxmlformats.org/officeDocument/2006/relationships" xmlns:p="http://schemas.openxmlformats.org/presentationml/2006/main">
   <p:cSld>
     <p:spTree>
@@ -2735,6 +2737,292 @@
                 <a:ea typeface="굴림" pitchFamily="50" charset="-127"/>
               </a:rPr>
               <a:pPr algn="r" eaLnBrk="1" hangingPunct="1"/>
+              <a:t>8</a:t>
+            </a:fld>
+            <a:endParaRPr kumimoji="1" lang="en-US" altLang="ko-KR" sz="1200" b="0">
+              <a:solidFill>
+                <a:schemeClr val="tx1"/>
+              </a:solidFill>
+              <a:latin typeface="굴림" pitchFamily="50" charset="-127"/>
+              <a:ea typeface="굴림" pitchFamily="50" charset="-127"/>
+            </a:endParaRPr>
+          </a:p>
+        </p:txBody>
+      </p:sp>
+    </p:spTree>
+    <p:extLst>
+      <p:ext uri="{BB962C8B-B14F-4D97-AF65-F5344CB8AC3E}">
+        <p14:creationId xmlns:p14="http://schemas.microsoft.com/office/powerpoint/2010/main" val="3977728172"/>
+      </p:ext>
+    </p:extLst>
+  </p:cSld>
+  <p:clrMapOvr>
+    <a:masterClrMapping/>
+  </p:clrMapOvr>
+</p:notes>
+</file>
+
+<file path=ppt/notesSlides/notesSlide8.xml><?xml version="1.0" encoding="utf-8"?>
+<p:notes xmlns:a="http://schemas.openxmlformats.org/drawingml/2006/main" xmlns:r="http://schemas.openxmlformats.org/officeDocument/2006/relationships" xmlns:p="http://schemas.openxmlformats.org/presentationml/2006/main">
+  <p:cSld>
+    <p:spTree>
+      <p:nvGrpSpPr>
+        <p:cNvPr id="1" name=""/>
+        <p:cNvGrpSpPr/>
+        <p:nvPr/>
+      </p:nvGrpSpPr>
+      <p:grpSpPr>
+        <a:xfrm>
+          <a:off x="0" y="0"/>
+          <a:ext cx="0" cy="0"/>
+          <a:chOff x="0" y="0"/>
+          <a:chExt cx="0" cy="0"/>
+        </a:xfrm>
+      </p:grpSpPr>
+      <p:sp>
+        <p:nvSpPr>
+          <p:cNvPr id="52226" name="슬라이드 이미지 개체 틀 1"/>
+          <p:cNvSpPr>
+            <a:spLocks noGrp="1" noRot="1" noChangeAspect="1" noTextEdit="1"/>
+          </p:cNvSpPr>
+          <p:nvPr>
+            <p:ph type="sldImg"/>
+          </p:nvPr>
+        </p:nvSpPr>
+        <p:spPr bwMode="auto">
+          <a:xfrm>
+            <a:off x="25400" y="744538"/>
+            <a:ext cx="6618288" cy="3724275"/>
+          </a:xfrm>
+          <a:noFill/>
+          <a:ln>
+            <a:solidFill>
+              <a:srgbClr val="000000"/>
+            </a:solidFill>
+            <a:miter lim="800000"/>
+            <a:headEnd/>
+            <a:tailEnd/>
+          </a:ln>
+          <a:extLst>
+            <a:ext uri="{909E8E84-426E-40DD-AFC4-6F175D3DCCD1}">
+              <a14:hiddenFill xmlns:a14="http://schemas.microsoft.com/office/drawing/2010/main">
+                <a:solidFill>
+                  <a:srgbClr val="FFFFFF"/>
+                </a:solidFill>
+              </a14:hiddenFill>
+            </a:ext>
+          </a:extLst>
+        </p:spPr>
+      </p:sp>
+      <p:sp>
+        <p:nvSpPr>
+          <p:cNvPr id="52227" name="슬라이드 노트 개체 틀 2"/>
+          <p:cNvSpPr>
+            <a:spLocks noGrp="1"/>
+          </p:cNvSpPr>
+          <p:nvPr>
+            <p:ph type="body" idx="1"/>
+          </p:nvPr>
+        </p:nvSpPr>
+        <p:spPr bwMode="auto">
+          <a:noFill/>
+          <a:extLst>
+            <a:ext uri="{909E8E84-426E-40DD-AFC4-6F175D3DCCD1}">
+              <a14:hiddenFill xmlns:a14="http://schemas.microsoft.com/office/drawing/2010/main">
+                <a:solidFill>
+                  <a:srgbClr val="FFFFFF"/>
+                </a:solidFill>
+              </a14:hiddenFill>
+            </a:ext>
+            <a:ext uri="{91240B29-F687-4F45-9708-019B960494DF}">
+              <a14:hiddenLine xmlns:a14="http://schemas.microsoft.com/office/drawing/2010/main" w="9525">
+                <a:solidFill>
+                  <a:srgbClr val="000000"/>
+                </a:solidFill>
+                <a:miter lim="800000"/>
+                <a:headEnd/>
+                <a:tailEnd/>
+              </a14:hiddenLine>
+            </a:ext>
+          </a:extLst>
+        </p:spPr>
+        <p:txBody>
+          <a:bodyPr wrap="square" numCol="1" anchor="t" anchorCtr="0" compatLnSpc="1">
+            <a:prstTxWarp prst="textNoShape">
+              <a:avLst/>
+            </a:prstTxWarp>
+          </a:bodyPr>
+          <a:lstStyle/>
+          <a:p>
+            <a:pPr eaLnBrk="1" hangingPunct="1">
+              <a:spcBef>
+                <a:spcPct val="0"/>
+              </a:spcBef>
+            </a:pPr>
+            <a:endParaRPr lang="ko-KR" altLang="en-US"/>
+          </a:p>
+        </p:txBody>
+      </p:sp>
+      <p:sp>
+        <p:nvSpPr>
+          <p:cNvPr id="52228" name="슬라이드 번호 개체 틀 3"/>
+          <p:cNvSpPr txBox="1">
+            <a:spLocks noGrp="1"/>
+          </p:cNvSpPr>
+          <p:nvPr/>
+        </p:nvSpPr>
+        <p:spPr bwMode="auto">
+          <a:xfrm>
+            <a:off x="3778250" y="9431338"/>
+            <a:ext cx="2889250" cy="495300"/>
+          </a:xfrm>
+          <a:prstGeom prst="rect">
+            <a:avLst/>
+          </a:prstGeom>
+          <a:noFill/>
+          <a:ln>
+            <a:noFill/>
+          </a:ln>
+          <a:extLst>
+            <a:ext uri="{909E8E84-426E-40DD-AFC4-6F175D3DCCD1}">
+              <a14:hiddenFill xmlns:a14="http://schemas.microsoft.com/office/drawing/2010/main">
+                <a:solidFill>
+                  <a:srgbClr val="FFFFFF"/>
+                </a:solidFill>
+              </a14:hiddenFill>
+            </a:ext>
+            <a:ext uri="{91240B29-F687-4F45-9708-019B960494DF}">
+              <a14:hiddenLine xmlns:a14="http://schemas.microsoft.com/office/drawing/2010/main" w="9525">
+                <a:solidFill>
+                  <a:srgbClr val="000000"/>
+                </a:solidFill>
+                <a:miter lim="800000"/>
+                <a:headEnd/>
+                <a:tailEnd/>
+              </a14:hiddenLine>
+            </a:ext>
+          </a:extLst>
+        </p:spPr>
+        <p:txBody>
+          <a:bodyPr lIns="87534" tIns="43768" rIns="87534" bIns="43768" anchor="b"/>
+          <a:lstStyle>
+            <a:lvl1pPr eaLnBrk="0" hangingPunct="0">
+              <a:defRPr sz="800" b="1">
+                <a:solidFill>
+                  <a:srgbClr val="000000"/>
+                </a:solidFill>
+                <a:latin typeface="맑은 고딕" pitchFamily="50" charset="-127"/>
+                <a:ea typeface="맑은 고딕" pitchFamily="50" charset="-127"/>
+              </a:defRPr>
+            </a:lvl1pPr>
+            <a:lvl2pPr marL="742950" indent="-285750" eaLnBrk="0" hangingPunct="0">
+              <a:defRPr sz="800" b="1">
+                <a:solidFill>
+                  <a:srgbClr val="000000"/>
+                </a:solidFill>
+                <a:latin typeface="맑은 고딕" pitchFamily="50" charset="-127"/>
+                <a:ea typeface="맑은 고딕" pitchFamily="50" charset="-127"/>
+              </a:defRPr>
+            </a:lvl2pPr>
+            <a:lvl3pPr marL="1143000" indent="-228600" eaLnBrk="0" hangingPunct="0">
+              <a:defRPr sz="800" b="1">
+                <a:solidFill>
+                  <a:srgbClr val="000000"/>
+                </a:solidFill>
+                <a:latin typeface="맑은 고딕" pitchFamily="50" charset="-127"/>
+                <a:ea typeface="맑은 고딕" pitchFamily="50" charset="-127"/>
+              </a:defRPr>
+            </a:lvl3pPr>
+            <a:lvl4pPr marL="1600200" indent="-228600" eaLnBrk="0" hangingPunct="0">
+              <a:defRPr sz="800" b="1">
+                <a:solidFill>
+                  <a:srgbClr val="000000"/>
+                </a:solidFill>
+                <a:latin typeface="맑은 고딕" pitchFamily="50" charset="-127"/>
+                <a:ea typeface="맑은 고딕" pitchFamily="50" charset="-127"/>
+              </a:defRPr>
+            </a:lvl4pPr>
+            <a:lvl5pPr marL="2057400" indent="-228600" eaLnBrk="0" hangingPunct="0">
+              <a:defRPr sz="800" b="1">
+                <a:solidFill>
+                  <a:srgbClr val="000000"/>
+                </a:solidFill>
+                <a:latin typeface="맑은 고딕" pitchFamily="50" charset="-127"/>
+                <a:ea typeface="맑은 고딕" pitchFamily="50" charset="-127"/>
+              </a:defRPr>
+            </a:lvl5pPr>
+            <a:lvl6pPr marL="2514600" indent="-228600" algn="ctr" eaLnBrk="0" fontAlgn="base" hangingPunct="0">
+              <a:spcBef>
+                <a:spcPct val="0"/>
+              </a:spcBef>
+              <a:spcAft>
+                <a:spcPct val="0"/>
+              </a:spcAft>
+              <a:defRPr sz="800" b="1">
+                <a:solidFill>
+                  <a:srgbClr val="000000"/>
+                </a:solidFill>
+                <a:latin typeface="맑은 고딕" pitchFamily="50" charset="-127"/>
+                <a:ea typeface="맑은 고딕" pitchFamily="50" charset="-127"/>
+              </a:defRPr>
+            </a:lvl6pPr>
+            <a:lvl7pPr marL="2971800" indent="-228600" algn="ctr" eaLnBrk="0" fontAlgn="base" hangingPunct="0">
+              <a:spcBef>
+                <a:spcPct val="0"/>
+              </a:spcBef>
+              <a:spcAft>
+                <a:spcPct val="0"/>
+              </a:spcAft>
+              <a:defRPr sz="800" b="1">
+                <a:solidFill>
+                  <a:srgbClr val="000000"/>
+                </a:solidFill>
+                <a:latin typeface="맑은 고딕" pitchFamily="50" charset="-127"/>
+                <a:ea typeface="맑은 고딕" pitchFamily="50" charset="-127"/>
+              </a:defRPr>
+            </a:lvl7pPr>
+            <a:lvl8pPr marL="3429000" indent="-228600" algn="ctr" eaLnBrk="0" fontAlgn="base" hangingPunct="0">
+              <a:spcBef>
+                <a:spcPct val="0"/>
+              </a:spcBef>
+              <a:spcAft>
+                <a:spcPct val="0"/>
+              </a:spcAft>
+              <a:defRPr sz="800" b="1">
+                <a:solidFill>
+                  <a:srgbClr val="000000"/>
+                </a:solidFill>
+                <a:latin typeface="맑은 고딕" pitchFamily="50" charset="-127"/>
+                <a:ea typeface="맑은 고딕" pitchFamily="50" charset="-127"/>
+              </a:defRPr>
+            </a:lvl8pPr>
+            <a:lvl9pPr marL="3886200" indent="-228600" algn="ctr" eaLnBrk="0" fontAlgn="base" hangingPunct="0">
+              <a:spcBef>
+                <a:spcPct val="0"/>
+              </a:spcBef>
+              <a:spcAft>
+                <a:spcPct val="0"/>
+              </a:spcAft>
+              <a:defRPr sz="800" b="1">
+                <a:solidFill>
+                  <a:srgbClr val="000000"/>
+                </a:solidFill>
+                <a:latin typeface="맑은 고딕" pitchFamily="50" charset="-127"/>
+                <a:ea typeface="맑은 고딕" pitchFamily="50" charset="-127"/>
+              </a:defRPr>
+            </a:lvl9pPr>
+          </a:lstStyle>
+          <a:p>
+            <a:pPr algn="r" eaLnBrk="1" hangingPunct="1"/>
+            <a:fld id="{831A9F1E-9EA2-45C2-BBBC-58E785B34F37}" type="slidenum">
+              <a:rPr kumimoji="1" lang="ko-KR" altLang="en-US" sz="1200" b="0">
+                <a:solidFill>
+                  <a:schemeClr val="tx1"/>
+                </a:solidFill>
+                <a:latin typeface="굴림" pitchFamily="50" charset="-127"/>
+                <a:ea typeface="굴림" pitchFamily="50" charset="-127"/>
+              </a:rPr>
+              <a:pPr algn="r" eaLnBrk="1" hangingPunct="1"/>
               <a:t>9</a:t>
             </a:fld>
             <a:endParaRPr kumimoji="1" lang="en-US" altLang="ko-KR" sz="1200" b="0">
@@ -2751,6 +3039,292 @@
     <p:extLst>
       <p:ext uri="{BB962C8B-B14F-4D97-AF65-F5344CB8AC3E}">
         <p14:creationId xmlns:p14="http://schemas.microsoft.com/office/powerpoint/2010/main" val="3169932090"/>
+      </p:ext>
+    </p:extLst>
+  </p:cSld>
+  <p:clrMapOvr>
+    <a:masterClrMapping/>
+  </p:clrMapOvr>
+</p:notes>
+</file>
+
+<file path=ppt/notesSlides/notesSlide9.xml><?xml version="1.0" encoding="utf-8"?>
+<p:notes xmlns:a="http://schemas.openxmlformats.org/drawingml/2006/main" xmlns:r="http://schemas.openxmlformats.org/officeDocument/2006/relationships" xmlns:p="http://schemas.openxmlformats.org/presentationml/2006/main">
+  <p:cSld>
+    <p:spTree>
+      <p:nvGrpSpPr>
+        <p:cNvPr id="1" name=""/>
+        <p:cNvGrpSpPr/>
+        <p:nvPr/>
+      </p:nvGrpSpPr>
+      <p:grpSpPr>
+        <a:xfrm>
+          <a:off x="0" y="0"/>
+          <a:ext cx="0" cy="0"/>
+          <a:chOff x="0" y="0"/>
+          <a:chExt cx="0" cy="0"/>
+        </a:xfrm>
+      </p:grpSpPr>
+      <p:sp>
+        <p:nvSpPr>
+          <p:cNvPr id="52226" name="슬라이드 이미지 개체 틀 1"/>
+          <p:cNvSpPr>
+            <a:spLocks noGrp="1" noRot="1" noChangeAspect="1" noTextEdit="1"/>
+          </p:cNvSpPr>
+          <p:nvPr>
+            <p:ph type="sldImg"/>
+          </p:nvPr>
+        </p:nvSpPr>
+        <p:spPr bwMode="auto">
+          <a:xfrm>
+            <a:off x="25400" y="744538"/>
+            <a:ext cx="6618288" cy="3724275"/>
+          </a:xfrm>
+          <a:noFill/>
+          <a:ln>
+            <a:solidFill>
+              <a:srgbClr val="000000"/>
+            </a:solidFill>
+            <a:miter lim="800000"/>
+            <a:headEnd/>
+            <a:tailEnd/>
+          </a:ln>
+          <a:extLst>
+            <a:ext uri="{909E8E84-426E-40DD-AFC4-6F175D3DCCD1}">
+              <a14:hiddenFill xmlns:a14="http://schemas.microsoft.com/office/drawing/2010/main">
+                <a:solidFill>
+                  <a:srgbClr val="FFFFFF"/>
+                </a:solidFill>
+              </a14:hiddenFill>
+            </a:ext>
+          </a:extLst>
+        </p:spPr>
+      </p:sp>
+      <p:sp>
+        <p:nvSpPr>
+          <p:cNvPr id="52227" name="슬라이드 노트 개체 틀 2"/>
+          <p:cNvSpPr>
+            <a:spLocks noGrp="1"/>
+          </p:cNvSpPr>
+          <p:nvPr>
+            <p:ph type="body" idx="1"/>
+          </p:nvPr>
+        </p:nvSpPr>
+        <p:spPr bwMode="auto">
+          <a:noFill/>
+          <a:extLst>
+            <a:ext uri="{909E8E84-426E-40DD-AFC4-6F175D3DCCD1}">
+              <a14:hiddenFill xmlns:a14="http://schemas.microsoft.com/office/drawing/2010/main">
+                <a:solidFill>
+                  <a:srgbClr val="FFFFFF"/>
+                </a:solidFill>
+              </a14:hiddenFill>
+            </a:ext>
+            <a:ext uri="{91240B29-F687-4F45-9708-019B960494DF}">
+              <a14:hiddenLine xmlns:a14="http://schemas.microsoft.com/office/drawing/2010/main" w="9525">
+                <a:solidFill>
+                  <a:srgbClr val="000000"/>
+                </a:solidFill>
+                <a:miter lim="800000"/>
+                <a:headEnd/>
+                <a:tailEnd/>
+              </a14:hiddenLine>
+            </a:ext>
+          </a:extLst>
+        </p:spPr>
+        <p:txBody>
+          <a:bodyPr wrap="square" numCol="1" anchor="t" anchorCtr="0" compatLnSpc="1">
+            <a:prstTxWarp prst="textNoShape">
+              <a:avLst/>
+            </a:prstTxWarp>
+          </a:bodyPr>
+          <a:lstStyle/>
+          <a:p>
+            <a:pPr eaLnBrk="1" hangingPunct="1">
+              <a:spcBef>
+                <a:spcPct val="0"/>
+              </a:spcBef>
+            </a:pPr>
+            <a:endParaRPr lang="ko-KR" altLang="en-US"/>
+          </a:p>
+        </p:txBody>
+      </p:sp>
+      <p:sp>
+        <p:nvSpPr>
+          <p:cNvPr id="52228" name="슬라이드 번호 개체 틀 3"/>
+          <p:cNvSpPr txBox="1">
+            <a:spLocks noGrp="1"/>
+          </p:cNvSpPr>
+          <p:nvPr/>
+        </p:nvSpPr>
+        <p:spPr bwMode="auto">
+          <a:xfrm>
+            <a:off x="3778250" y="9431338"/>
+            <a:ext cx="2889250" cy="495300"/>
+          </a:xfrm>
+          <a:prstGeom prst="rect">
+            <a:avLst/>
+          </a:prstGeom>
+          <a:noFill/>
+          <a:ln>
+            <a:noFill/>
+          </a:ln>
+          <a:extLst>
+            <a:ext uri="{909E8E84-426E-40DD-AFC4-6F175D3DCCD1}">
+              <a14:hiddenFill xmlns:a14="http://schemas.microsoft.com/office/drawing/2010/main">
+                <a:solidFill>
+                  <a:srgbClr val="FFFFFF"/>
+                </a:solidFill>
+              </a14:hiddenFill>
+            </a:ext>
+            <a:ext uri="{91240B29-F687-4F45-9708-019B960494DF}">
+              <a14:hiddenLine xmlns:a14="http://schemas.microsoft.com/office/drawing/2010/main" w="9525">
+                <a:solidFill>
+                  <a:srgbClr val="000000"/>
+                </a:solidFill>
+                <a:miter lim="800000"/>
+                <a:headEnd/>
+                <a:tailEnd/>
+              </a14:hiddenLine>
+            </a:ext>
+          </a:extLst>
+        </p:spPr>
+        <p:txBody>
+          <a:bodyPr lIns="87534" tIns="43768" rIns="87534" bIns="43768" anchor="b"/>
+          <a:lstStyle>
+            <a:lvl1pPr eaLnBrk="0" hangingPunct="0">
+              <a:defRPr sz="800" b="1">
+                <a:solidFill>
+                  <a:srgbClr val="000000"/>
+                </a:solidFill>
+                <a:latin typeface="맑은 고딕" pitchFamily="50" charset="-127"/>
+                <a:ea typeface="맑은 고딕" pitchFamily="50" charset="-127"/>
+              </a:defRPr>
+            </a:lvl1pPr>
+            <a:lvl2pPr marL="742950" indent="-285750" eaLnBrk="0" hangingPunct="0">
+              <a:defRPr sz="800" b="1">
+                <a:solidFill>
+                  <a:srgbClr val="000000"/>
+                </a:solidFill>
+                <a:latin typeface="맑은 고딕" pitchFamily="50" charset="-127"/>
+                <a:ea typeface="맑은 고딕" pitchFamily="50" charset="-127"/>
+              </a:defRPr>
+            </a:lvl2pPr>
+            <a:lvl3pPr marL="1143000" indent="-228600" eaLnBrk="0" hangingPunct="0">
+              <a:defRPr sz="800" b="1">
+                <a:solidFill>
+                  <a:srgbClr val="000000"/>
+                </a:solidFill>
+                <a:latin typeface="맑은 고딕" pitchFamily="50" charset="-127"/>
+                <a:ea typeface="맑은 고딕" pitchFamily="50" charset="-127"/>
+              </a:defRPr>
+            </a:lvl3pPr>
+            <a:lvl4pPr marL="1600200" indent="-228600" eaLnBrk="0" hangingPunct="0">
+              <a:defRPr sz="800" b="1">
+                <a:solidFill>
+                  <a:srgbClr val="000000"/>
+                </a:solidFill>
+                <a:latin typeface="맑은 고딕" pitchFamily="50" charset="-127"/>
+                <a:ea typeface="맑은 고딕" pitchFamily="50" charset="-127"/>
+              </a:defRPr>
+            </a:lvl4pPr>
+            <a:lvl5pPr marL="2057400" indent="-228600" eaLnBrk="0" hangingPunct="0">
+              <a:defRPr sz="800" b="1">
+                <a:solidFill>
+                  <a:srgbClr val="000000"/>
+                </a:solidFill>
+                <a:latin typeface="맑은 고딕" pitchFamily="50" charset="-127"/>
+                <a:ea typeface="맑은 고딕" pitchFamily="50" charset="-127"/>
+              </a:defRPr>
+            </a:lvl5pPr>
+            <a:lvl6pPr marL="2514600" indent="-228600" algn="ctr" eaLnBrk="0" fontAlgn="base" hangingPunct="0">
+              <a:spcBef>
+                <a:spcPct val="0"/>
+              </a:spcBef>
+              <a:spcAft>
+                <a:spcPct val="0"/>
+              </a:spcAft>
+              <a:defRPr sz="800" b="1">
+                <a:solidFill>
+                  <a:srgbClr val="000000"/>
+                </a:solidFill>
+                <a:latin typeface="맑은 고딕" pitchFamily="50" charset="-127"/>
+                <a:ea typeface="맑은 고딕" pitchFamily="50" charset="-127"/>
+              </a:defRPr>
+            </a:lvl6pPr>
+            <a:lvl7pPr marL="2971800" indent="-228600" algn="ctr" eaLnBrk="0" fontAlgn="base" hangingPunct="0">
+              <a:spcBef>
+                <a:spcPct val="0"/>
+              </a:spcBef>
+              <a:spcAft>
+                <a:spcPct val="0"/>
+              </a:spcAft>
+              <a:defRPr sz="800" b="1">
+                <a:solidFill>
+                  <a:srgbClr val="000000"/>
+                </a:solidFill>
+                <a:latin typeface="맑은 고딕" pitchFamily="50" charset="-127"/>
+                <a:ea typeface="맑은 고딕" pitchFamily="50" charset="-127"/>
+              </a:defRPr>
+            </a:lvl7pPr>
+            <a:lvl8pPr marL="3429000" indent="-228600" algn="ctr" eaLnBrk="0" fontAlgn="base" hangingPunct="0">
+              <a:spcBef>
+                <a:spcPct val="0"/>
+              </a:spcBef>
+              <a:spcAft>
+                <a:spcPct val="0"/>
+              </a:spcAft>
+              <a:defRPr sz="800" b="1">
+                <a:solidFill>
+                  <a:srgbClr val="000000"/>
+                </a:solidFill>
+                <a:latin typeface="맑은 고딕" pitchFamily="50" charset="-127"/>
+                <a:ea typeface="맑은 고딕" pitchFamily="50" charset="-127"/>
+              </a:defRPr>
+            </a:lvl8pPr>
+            <a:lvl9pPr marL="3886200" indent="-228600" algn="ctr" eaLnBrk="0" fontAlgn="base" hangingPunct="0">
+              <a:spcBef>
+                <a:spcPct val="0"/>
+              </a:spcBef>
+              <a:spcAft>
+                <a:spcPct val="0"/>
+              </a:spcAft>
+              <a:defRPr sz="800" b="1">
+                <a:solidFill>
+                  <a:srgbClr val="000000"/>
+                </a:solidFill>
+                <a:latin typeface="맑은 고딕" pitchFamily="50" charset="-127"/>
+                <a:ea typeface="맑은 고딕" pitchFamily="50" charset="-127"/>
+              </a:defRPr>
+            </a:lvl9pPr>
+          </a:lstStyle>
+          <a:p>
+            <a:pPr algn="r" eaLnBrk="1" hangingPunct="1"/>
+            <a:fld id="{831A9F1E-9EA2-45C2-BBBC-58E785B34F37}" type="slidenum">
+              <a:rPr kumimoji="1" lang="ko-KR" altLang="en-US" sz="1200" b="0">
+                <a:solidFill>
+                  <a:schemeClr val="tx1"/>
+                </a:solidFill>
+                <a:latin typeface="굴림" pitchFamily="50" charset="-127"/>
+                <a:ea typeface="굴림" pitchFamily="50" charset="-127"/>
+              </a:rPr>
+              <a:pPr algn="r" eaLnBrk="1" hangingPunct="1"/>
+              <a:t>10</a:t>
+            </a:fld>
+            <a:endParaRPr kumimoji="1" lang="en-US" altLang="ko-KR" sz="1200" b="0">
+              <a:solidFill>
+                <a:schemeClr val="tx1"/>
+              </a:solidFill>
+              <a:latin typeface="굴림" pitchFamily="50" charset="-127"/>
+              <a:ea typeface="굴림" pitchFamily="50" charset="-127"/>
+            </a:endParaRPr>
+          </a:p>
+        </p:txBody>
+      </p:sp>
+    </p:spTree>
+    <p:extLst>
+      <p:ext uri="{BB962C8B-B14F-4D97-AF65-F5344CB8AC3E}">
+        <p14:creationId xmlns:p14="http://schemas.microsoft.com/office/powerpoint/2010/main" val="2483871080"/>
       </p:ext>
     </p:extLst>
   </p:cSld>
@@ -2907,7 +3481,7 @@
           <a:p>
             <a:fld id="{0EDA656F-E4C0-4EE8-8A1D-724610DDF813}" type="datetimeFigureOut">
               <a:rPr lang="ko-KR" altLang="en-US" smtClean="0"/>
-              <a:t>2022-07-14</a:t>
+              <a:t>2022-07-15</a:t>
             </a:fld>
             <a:endParaRPr lang="ko-KR" altLang="en-US"/>
           </a:p>
@@ -3105,7 +3679,7 @@
           <a:p>
             <a:fld id="{0EDA656F-E4C0-4EE8-8A1D-724610DDF813}" type="datetimeFigureOut">
               <a:rPr lang="ko-KR" altLang="en-US" smtClean="0"/>
-              <a:t>2022-07-14</a:t>
+              <a:t>2022-07-15</a:t>
             </a:fld>
             <a:endParaRPr lang="ko-KR" altLang="en-US"/>
           </a:p>
@@ -3313,7 +3887,7 @@
           <a:p>
             <a:fld id="{0EDA656F-E4C0-4EE8-8A1D-724610DDF813}" type="datetimeFigureOut">
               <a:rPr lang="ko-KR" altLang="en-US" smtClean="0"/>
-              <a:t>2022-07-14</a:t>
+              <a:t>2022-07-15</a:t>
             </a:fld>
             <a:endParaRPr lang="ko-KR" altLang="en-US"/>
           </a:p>
@@ -4908,7 +5482,7 @@
           <a:p>
             <a:fld id="{0EDA656F-E4C0-4EE8-8A1D-724610DDF813}" type="datetimeFigureOut">
               <a:rPr lang="ko-KR" altLang="en-US" smtClean="0"/>
-              <a:t>2022-07-14</a:t>
+              <a:t>2022-07-15</a:t>
             </a:fld>
             <a:endParaRPr lang="ko-KR" altLang="en-US"/>
           </a:p>
@@ -5183,7 +5757,7 @@
           <a:p>
             <a:fld id="{0EDA656F-E4C0-4EE8-8A1D-724610DDF813}" type="datetimeFigureOut">
               <a:rPr lang="ko-KR" altLang="en-US" smtClean="0"/>
-              <a:t>2022-07-14</a:t>
+              <a:t>2022-07-15</a:t>
             </a:fld>
             <a:endParaRPr lang="ko-KR" altLang="en-US"/>
           </a:p>
@@ -5448,7 +6022,7 @@
           <a:p>
             <a:fld id="{0EDA656F-E4C0-4EE8-8A1D-724610DDF813}" type="datetimeFigureOut">
               <a:rPr lang="ko-KR" altLang="en-US" smtClean="0"/>
-              <a:t>2022-07-14</a:t>
+              <a:t>2022-07-15</a:t>
             </a:fld>
             <a:endParaRPr lang="ko-KR" altLang="en-US"/>
           </a:p>
@@ -5860,7 +6434,7 @@
           <a:p>
             <a:fld id="{0EDA656F-E4C0-4EE8-8A1D-724610DDF813}" type="datetimeFigureOut">
               <a:rPr lang="ko-KR" altLang="en-US" smtClean="0"/>
-              <a:t>2022-07-14</a:t>
+              <a:t>2022-07-15</a:t>
             </a:fld>
             <a:endParaRPr lang="ko-KR" altLang="en-US"/>
           </a:p>
@@ -6001,7 +6575,7 @@
           <a:p>
             <a:fld id="{0EDA656F-E4C0-4EE8-8A1D-724610DDF813}" type="datetimeFigureOut">
               <a:rPr lang="ko-KR" altLang="en-US" smtClean="0"/>
-              <a:t>2022-07-14</a:t>
+              <a:t>2022-07-15</a:t>
             </a:fld>
             <a:endParaRPr lang="ko-KR" altLang="en-US"/>
           </a:p>
@@ -6114,7 +6688,7 @@
           <a:p>
             <a:fld id="{0EDA656F-E4C0-4EE8-8A1D-724610DDF813}" type="datetimeFigureOut">
               <a:rPr lang="ko-KR" altLang="en-US" smtClean="0"/>
-              <a:t>2022-07-14</a:t>
+              <a:t>2022-07-15</a:t>
             </a:fld>
             <a:endParaRPr lang="ko-KR" altLang="en-US"/>
           </a:p>
@@ -6425,7 +6999,7 @@
           <a:p>
             <a:fld id="{0EDA656F-E4C0-4EE8-8A1D-724610DDF813}" type="datetimeFigureOut">
               <a:rPr lang="ko-KR" altLang="en-US" smtClean="0"/>
-              <a:t>2022-07-14</a:t>
+              <a:t>2022-07-15</a:t>
             </a:fld>
             <a:endParaRPr lang="ko-KR" altLang="en-US"/>
           </a:p>
@@ -6713,7 +7287,7 @@
           <a:p>
             <a:fld id="{0EDA656F-E4C0-4EE8-8A1D-724610DDF813}" type="datetimeFigureOut">
               <a:rPr lang="ko-KR" altLang="en-US" smtClean="0"/>
-              <a:t>2022-07-14</a:t>
+              <a:t>2022-07-15</a:t>
             </a:fld>
             <a:endParaRPr lang="ko-KR" altLang="en-US"/>
           </a:p>
@@ -6954,7 +7528,7 @@
           <a:p>
             <a:fld id="{0EDA656F-E4C0-4EE8-8A1D-724610DDF813}" type="datetimeFigureOut">
               <a:rPr lang="ko-KR" altLang="en-US" smtClean="0"/>
-              <a:t>2022-07-14</a:t>
+              <a:t>2022-07-15</a:t>
             </a:fld>
             <a:endParaRPr lang="ko-KR" altLang="en-US"/>
           </a:p>
@@ -7471,6 +8045,3363 @@
 </p:sld>
 </file>
 
+<file path=ppt/slides/slide10.xml><?xml version="1.0" encoding="utf-8"?>
+<p:sld xmlns:a="http://schemas.openxmlformats.org/drawingml/2006/main" xmlns:r="http://schemas.openxmlformats.org/officeDocument/2006/relationships" xmlns:p="http://schemas.openxmlformats.org/presentationml/2006/main">
+  <p:cSld>
+    <p:spTree>
+      <p:nvGrpSpPr>
+        <p:cNvPr id="1" name=""/>
+        <p:cNvGrpSpPr/>
+        <p:nvPr/>
+      </p:nvGrpSpPr>
+      <p:grpSpPr>
+        <a:xfrm>
+          <a:off x="0" y="0"/>
+          <a:ext cx="0" cy="0"/>
+          <a:chOff x="0" y="0"/>
+          <a:chExt cx="0" cy="0"/>
+        </a:xfrm>
+      </p:grpSpPr>
+      <p:sp>
+        <p:nvSpPr>
+          <p:cNvPr id="31" name="슬라이드 번호 개체 틀 30"/>
+          <p:cNvSpPr txBox="1">
+            <a:spLocks noGrp="1"/>
+          </p:cNvSpPr>
+          <p:nvPr/>
+        </p:nvSpPr>
+        <p:spPr>
+          <a:xfrm>
+            <a:off x="11573172" y="-1"/>
+            <a:ext cx="571500" cy="285750"/>
+          </a:xfrm>
+          <a:prstGeom prst="rect">
+            <a:avLst/>
+          </a:prstGeom>
+          <a:noFill/>
+        </p:spPr>
+        <p:txBody>
+          <a:bodyPr anchor="ctr"/>
+          <a:lstStyle/>
+          <a:p>
+            <a:pPr fontAlgn="auto">
+              <a:spcBef>
+                <a:spcPts val="0"/>
+              </a:spcBef>
+              <a:spcAft>
+                <a:spcPts val="0"/>
+              </a:spcAft>
+              <a:defRPr/>
+            </a:pPr>
+            <a:r>
+              <a:rPr lang="en-US" altLang="ko-KR" sz="1000" b="0" dirty="0">
+                <a:solidFill>
+                  <a:schemeClr val="tx1"/>
+                </a:solidFill>
+                <a:latin typeface="나눔고딕" panose="020D0604000000000000" pitchFamily="50" charset="-127"/>
+                <a:ea typeface="나눔고딕" panose="020D0604000000000000" pitchFamily="50" charset="-127"/>
+              </a:rPr>
+              <a:t>N</a:t>
+            </a:r>
+            <a:endParaRPr lang="ko-KR" altLang="en-US" sz="1000" b="0" dirty="0">
+              <a:solidFill>
+                <a:schemeClr val="tx1"/>
+              </a:solidFill>
+              <a:latin typeface="나눔고딕" panose="020D0604000000000000" pitchFamily="50" charset="-127"/>
+              <a:ea typeface="나눔고딕" panose="020D0604000000000000" pitchFamily="50" charset="-127"/>
+            </a:endParaRPr>
+          </a:p>
+        </p:txBody>
+      </p:sp>
+      <p:sp>
+        <p:nvSpPr>
+          <p:cNvPr id="3" name="제목 2">
+            <a:extLst>
+              <a:ext uri="{FF2B5EF4-FFF2-40B4-BE49-F238E27FC236}">
+                <a16:creationId xmlns:a16="http://schemas.microsoft.com/office/drawing/2014/main" id="{83390BF3-2F84-4D48-8126-787C42E41FD1}"/>
+              </a:ext>
+            </a:extLst>
+          </p:cNvPr>
+          <p:cNvSpPr>
+            <a:spLocks noGrp="1"/>
+          </p:cNvSpPr>
+          <p:nvPr>
+            <p:ph type="title"/>
+          </p:nvPr>
+        </p:nvSpPr>
+        <p:spPr/>
+        <p:txBody>
+          <a:bodyPr/>
+          <a:lstStyle/>
+          <a:p>
+            <a:r>
+              <a:rPr lang="ko-KR" altLang="en-US" dirty="0"/>
+              <a:t>예시</a:t>
+            </a:r>
+          </a:p>
+        </p:txBody>
+      </p:sp>
+      <p:sp>
+        <p:nvSpPr>
+          <p:cNvPr id="2" name="TextBox 1">
+            <a:extLst>
+              <a:ext uri="{FF2B5EF4-FFF2-40B4-BE49-F238E27FC236}">
+                <a16:creationId xmlns:a16="http://schemas.microsoft.com/office/drawing/2014/main" id="{F3180177-85E0-44C2-896E-8A4585471E4E}"/>
+              </a:ext>
+            </a:extLst>
+          </p:cNvPr>
+          <p:cNvSpPr txBox="1"/>
+          <p:nvPr/>
+        </p:nvSpPr>
+        <p:spPr bwMode="auto">
+          <a:xfrm>
+            <a:off x="9601220" y="663512"/>
+            <a:ext cx="2493318" cy="2862322"/>
+          </a:xfrm>
+          <a:prstGeom prst="rect">
+            <a:avLst/>
+          </a:prstGeom>
+          <a:noFill/>
+          <a:ln w="9525">
+            <a:noFill/>
+            <a:miter lim="800000"/>
+            <a:headEnd/>
+            <a:tailEnd/>
+          </a:ln>
+          <a:effectLst/>
+        </p:spPr>
+        <p:txBody>
+          <a:bodyPr wrap="square" rtlCol="0">
+            <a:spAutoFit/>
+          </a:bodyPr>
+          <a:lstStyle/>
+          <a:p>
+            <a:pPr algn="l"/>
+            <a:r>
+              <a:rPr lang="ko-KR" altLang="en-US" sz="1000" dirty="0">
+                <a:latin typeface="맑은 고딕" pitchFamily="50" charset="-127"/>
+                <a:ea typeface="맑은 고딕" pitchFamily="50" charset="-127"/>
+              </a:rPr>
+              <a:t>설명</a:t>
+            </a:r>
+            <a:endParaRPr lang="en-US" altLang="ko-KR" sz="1000" dirty="0">
+              <a:latin typeface="맑은 고딕" pitchFamily="50" charset="-127"/>
+              <a:ea typeface="맑은 고딕" pitchFamily="50" charset="-127"/>
+            </a:endParaRPr>
+          </a:p>
+          <a:p>
+            <a:pPr algn="l"/>
+            <a:r>
+              <a:rPr lang="en-US" altLang="ko-KR" sz="1000" b="0" dirty="0">
+                <a:latin typeface="맑은 고딕" pitchFamily="50" charset="-127"/>
+                <a:ea typeface="맑은 고딕" pitchFamily="50" charset="-127"/>
+              </a:rPr>
+              <a:t> </a:t>
+            </a:r>
+            <a:r>
+              <a:rPr lang="ko-KR" altLang="en-US" sz="1000" b="0" dirty="0">
+                <a:latin typeface="맑은 고딕" pitchFamily="50" charset="-127"/>
+                <a:ea typeface="맑은 고딕" pitchFamily="50" charset="-127"/>
+              </a:rPr>
+              <a:t>관리자가 게시판을 관리합니</a:t>
+            </a:r>
+            <a:r>
+              <a:rPr lang="ko-KR" altLang="en-US" sz="1000" dirty="0">
+                <a:latin typeface="맑은 고딕" pitchFamily="50" charset="-127"/>
+                <a:ea typeface="맑은 고딕" pitchFamily="50" charset="-127"/>
+              </a:rPr>
+              <a:t>다</a:t>
+            </a:r>
+            <a:r>
+              <a:rPr lang="en-US" altLang="ko-KR" sz="1000" dirty="0">
+                <a:latin typeface="맑은 고딕" pitchFamily="50" charset="-127"/>
+                <a:ea typeface="맑은 고딕" pitchFamily="50" charset="-127"/>
+              </a:rPr>
+              <a:t>.</a:t>
+            </a:r>
+          </a:p>
+          <a:p>
+            <a:pPr algn="l"/>
+            <a:endParaRPr lang="en-US" altLang="ko-KR" sz="1000" b="0" dirty="0">
+              <a:latin typeface="맑은 고딕" pitchFamily="50" charset="-127"/>
+              <a:ea typeface="맑은 고딕" pitchFamily="50" charset="-127"/>
+            </a:endParaRPr>
+          </a:p>
+          <a:p>
+            <a:pPr algn="l"/>
+            <a:endParaRPr lang="en-US" altLang="ko-KR" sz="1000" b="0" dirty="0">
+              <a:latin typeface="맑은 고딕" pitchFamily="50" charset="-127"/>
+              <a:ea typeface="맑은 고딕" pitchFamily="50" charset="-127"/>
+            </a:endParaRPr>
+          </a:p>
+          <a:p>
+            <a:pPr marL="228600" indent="-228600" algn="l">
+              <a:buAutoNum type="arabicPeriod"/>
+            </a:pPr>
+            <a:r>
+              <a:rPr lang="ko-KR" altLang="en-US" sz="1000" dirty="0">
+                <a:latin typeface="맑은 고딕" pitchFamily="50" charset="-127"/>
+                <a:ea typeface="맑은 고딕" pitchFamily="50" charset="-127"/>
+              </a:rPr>
+              <a:t>운영자 권한이 부여된 계정을 조회합니다</a:t>
+            </a:r>
+            <a:r>
+              <a:rPr lang="en-US" altLang="ko-KR" sz="1000" dirty="0">
+                <a:latin typeface="맑은 고딕" pitchFamily="50" charset="-127"/>
+                <a:ea typeface="맑은 고딕" pitchFamily="50" charset="-127"/>
+              </a:rPr>
+              <a:t>.</a:t>
+            </a:r>
+          </a:p>
+          <a:p>
+            <a:pPr marL="228600" indent="-228600" algn="l">
+              <a:buAutoNum type="arabicPeriod"/>
+            </a:pPr>
+            <a:r>
+              <a:rPr lang="ko-KR" altLang="en-US" sz="1000" dirty="0">
+                <a:latin typeface="맑은 고딕" pitchFamily="50" charset="-127"/>
+                <a:ea typeface="맑은 고딕" pitchFamily="50" charset="-127"/>
+              </a:rPr>
+              <a:t>버튼을 클릭하면 해당 계정의 권한이 내려갑니다</a:t>
+            </a:r>
+            <a:r>
+              <a:rPr lang="en-US" altLang="ko-KR" sz="1000" dirty="0">
+                <a:latin typeface="맑은 고딕" pitchFamily="50" charset="-127"/>
+                <a:ea typeface="맑은 고딕" pitchFamily="50" charset="-127"/>
+              </a:rPr>
+              <a:t>.</a:t>
+            </a:r>
+          </a:p>
+          <a:p>
+            <a:pPr marL="228600" indent="-228600" algn="l">
+              <a:buAutoNum type="arabicPeriod"/>
+            </a:pPr>
+            <a:r>
+              <a:rPr lang="ko-KR" altLang="en-US" sz="1000" dirty="0">
+                <a:latin typeface="맑은 고딕" pitchFamily="50" charset="-127"/>
+                <a:ea typeface="맑은 고딕" pitchFamily="50" charset="-127"/>
+              </a:rPr>
+              <a:t>회원관리 페이지의 회원관리와 같은 동작을 수행합니다</a:t>
+            </a:r>
+            <a:r>
+              <a:rPr lang="en-US" altLang="ko-KR" sz="1000" dirty="0">
+                <a:latin typeface="맑은 고딕" pitchFamily="50" charset="-127"/>
+                <a:ea typeface="맑은 고딕" pitchFamily="50" charset="-127"/>
+              </a:rPr>
+              <a:t>.</a:t>
+            </a:r>
+            <a:br>
+              <a:rPr lang="en-US" altLang="ko-KR" sz="1000" dirty="0">
+                <a:latin typeface="맑은 고딕" pitchFamily="50" charset="-127"/>
+                <a:ea typeface="맑은 고딕" pitchFamily="50" charset="-127"/>
+              </a:rPr>
+            </a:br>
+            <a:r>
+              <a:rPr lang="ko-KR" altLang="en-US" sz="1000" dirty="0">
+                <a:latin typeface="맑은 고딕" pitchFamily="50" charset="-127"/>
+                <a:ea typeface="맑은 고딕" pitchFamily="50" charset="-127"/>
+              </a:rPr>
+              <a:t>체크박스를 클릭하고 권한 부여 버튼을 클릭할 시 체크된 계정의 권한이 운영자로 수정됩니다</a:t>
+            </a:r>
+            <a:r>
+              <a:rPr lang="en-US" altLang="ko-KR" sz="1000" dirty="0">
+                <a:latin typeface="맑은 고딕" pitchFamily="50" charset="-127"/>
+                <a:ea typeface="맑은 고딕" pitchFamily="50" charset="-127"/>
+              </a:rPr>
+              <a:t>.</a:t>
+            </a:r>
+          </a:p>
+          <a:p>
+            <a:pPr marL="228600" indent="-228600" algn="l">
+              <a:buAutoNum type="arabicPeriod"/>
+            </a:pPr>
+            <a:endParaRPr lang="en-US" altLang="ko-KR" sz="1000" dirty="0">
+              <a:latin typeface="맑은 고딕" pitchFamily="50" charset="-127"/>
+              <a:ea typeface="맑은 고딕" pitchFamily="50" charset="-127"/>
+            </a:endParaRPr>
+          </a:p>
+          <a:p>
+            <a:pPr marL="228600" indent="-228600" algn="l">
+              <a:buAutoNum type="arabicPeriod"/>
+            </a:pPr>
+            <a:endParaRPr lang="en-US" altLang="ko-KR" sz="1000" dirty="0">
+              <a:latin typeface="맑은 고딕" pitchFamily="50" charset="-127"/>
+              <a:ea typeface="맑은 고딕" pitchFamily="50" charset="-127"/>
+            </a:endParaRPr>
+          </a:p>
+          <a:p>
+            <a:pPr marL="228600" indent="-228600" algn="l">
+              <a:buAutoNum type="arabicPeriod"/>
+            </a:pPr>
+            <a:endParaRPr lang="en-US" altLang="ko-KR" sz="1000" dirty="0">
+              <a:latin typeface="맑은 고딕" pitchFamily="50" charset="-127"/>
+              <a:ea typeface="맑은 고딕" pitchFamily="50" charset="-127"/>
+            </a:endParaRPr>
+          </a:p>
+          <a:p>
+            <a:pPr marL="228600" indent="-228600" algn="l">
+              <a:buAutoNum type="arabicPeriod"/>
+            </a:pPr>
+            <a:endParaRPr lang="en-US" altLang="ko-KR" sz="1000" dirty="0">
+              <a:latin typeface="맑은 고딕" pitchFamily="50" charset="-127"/>
+              <a:ea typeface="맑은 고딕" pitchFamily="50" charset="-127"/>
+            </a:endParaRPr>
+          </a:p>
+          <a:p>
+            <a:pPr marL="87313" indent="-87313" algn="l">
+              <a:buFont typeface="Arial" panose="020B0604020202020204" pitchFamily="34" charset="0"/>
+              <a:buChar char="•"/>
+            </a:pPr>
+            <a:endParaRPr lang="ko-KR" altLang="en-US" sz="1000" b="0" dirty="0">
+              <a:latin typeface="맑은 고딕" pitchFamily="50" charset="-127"/>
+              <a:ea typeface="맑은 고딕" pitchFamily="50" charset="-127"/>
+            </a:endParaRPr>
+          </a:p>
+        </p:txBody>
+      </p:sp>
+      <p:sp>
+        <p:nvSpPr>
+          <p:cNvPr id="25" name="TextBox 24">
+            <a:extLst>
+              <a:ext uri="{FF2B5EF4-FFF2-40B4-BE49-F238E27FC236}">
+                <a16:creationId xmlns:a16="http://schemas.microsoft.com/office/drawing/2014/main" id="{84E4988F-3642-4D0A-96C6-E3DF7C2BF12B}"/>
+              </a:ext>
+            </a:extLst>
+          </p:cNvPr>
+          <p:cNvSpPr txBox="1"/>
+          <p:nvPr/>
+        </p:nvSpPr>
+        <p:spPr bwMode="auto">
+          <a:xfrm>
+            <a:off x="99084" y="397735"/>
+            <a:ext cx="3088729" cy="276999"/>
+          </a:xfrm>
+          <a:prstGeom prst="rect">
+            <a:avLst/>
+          </a:prstGeom>
+          <a:noFill/>
+          <a:ln w="9525">
+            <a:noFill/>
+            <a:miter lim="800000"/>
+            <a:headEnd/>
+            <a:tailEnd/>
+          </a:ln>
+          <a:effectLst/>
+        </p:spPr>
+        <p:txBody>
+          <a:bodyPr wrap="square" rtlCol="0">
+            <a:spAutoFit/>
+          </a:bodyPr>
+          <a:lstStyle/>
+          <a:p>
+            <a:pPr algn="l"/>
+            <a:r>
+              <a:rPr lang="ko-KR" altLang="en-US" sz="1200" dirty="0">
+                <a:latin typeface="+mn-lt"/>
+                <a:ea typeface="KoPubWorld돋움체 Bold" panose="00000800000000000000" pitchFamily="2" charset="-127"/>
+                <a:cs typeface="KoPubWorld돋움체 Bold" panose="00000800000000000000" pitchFamily="2" charset="-127"/>
+              </a:rPr>
+              <a:t>관리자 </a:t>
+            </a:r>
+            <a:r>
+              <a:rPr lang="en-US" altLang="ko-KR" sz="1200" dirty="0">
+                <a:ea typeface="KoPubWorld돋움체 Bold" panose="00000800000000000000" pitchFamily="2" charset="-127"/>
+                <a:cs typeface="KoPubWorld돋움체 Bold" panose="00000800000000000000" pitchFamily="2" charset="-127"/>
+              </a:rPr>
+              <a:t>4</a:t>
+            </a:r>
+            <a:r>
+              <a:rPr lang="en-US" altLang="ko-KR" sz="1200" dirty="0">
+                <a:latin typeface="+mn-lt"/>
+                <a:ea typeface="KoPubWorld돋움체 Bold" panose="00000800000000000000" pitchFamily="2" charset="-127"/>
+                <a:cs typeface="KoPubWorld돋움체 Bold" panose="00000800000000000000" pitchFamily="2" charset="-127"/>
+              </a:rPr>
+              <a:t>. </a:t>
+            </a:r>
+            <a:r>
+              <a:rPr lang="ko-KR" altLang="en-US" sz="1200" dirty="0">
+                <a:ea typeface="KoPubWorld돋움체 Bold" panose="00000800000000000000" pitchFamily="2" charset="-127"/>
+                <a:cs typeface="KoPubWorld돋움체 Bold" panose="00000800000000000000" pitchFamily="2" charset="-127"/>
+              </a:rPr>
+              <a:t>게시판 통계 조회 페이지</a:t>
+            </a:r>
+            <a:endParaRPr lang="ko-KR" altLang="en-US" sz="1200" dirty="0">
+              <a:latin typeface="+mn-lt"/>
+              <a:ea typeface="KoPubWorld돋움체 Bold" panose="00000800000000000000" pitchFamily="2" charset="-127"/>
+              <a:cs typeface="KoPubWorld돋움체 Bold" panose="00000800000000000000" pitchFamily="2" charset="-127"/>
+            </a:endParaRPr>
+          </a:p>
+        </p:txBody>
+      </p:sp>
+      <p:cxnSp>
+        <p:nvCxnSpPr>
+          <p:cNvPr id="26" name="직선 연결선 25">
+            <a:extLst>
+              <a:ext uri="{FF2B5EF4-FFF2-40B4-BE49-F238E27FC236}">
+                <a16:creationId xmlns:a16="http://schemas.microsoft.com/office/drawing/2014/main" id="{5C26D24A-BC02-4A66-A43F-9B47F7CC6FB4}"/>
+              </a:ext>
+            </a:extLst>
+          </p:cNvPr>
+          <p:cNvCxnSpPr>
+            <a:cxnSpLocks/>
+          </p:cNvCxnSpPr>
+          <p:nvPr/>
+        </p:nvCxnSpPr>
+        <p:spPr>
+          <a:xfrm>
+            <a:off x="169813" y="674734"/>
+            <a:ext cx="9288282" cy="0"/>
+          </a:xfrm>
+          <a:prstGeom prst="line">
+            <a:avLst/>
+          </a:prstGeom>
+          <a:ln w="19050">
+            <a:solidFill>
+              <a:schemeClr val="tx1">
+                <a:lumMod val="95000"/>
+                <a:lumOff val="5000"/>
+              </a:schemeClr>
+            </a:solidFill>
+          </a:ln>
+        </p:spPr>
+        <p:style>
+          <a:lnRef idx="1">
+            <a:schemeClr val="accent1"/>
+          </a:lnRef>
+          <a:fillRef idx="0">
+            <a:schemeClr val="accent1"/>
+          </a:fillRef>
+          <a:effectRef idx="0">
+            <a:schemeClr val="accent1"/>
+          </a:effectRef>
+          <a:fontRef idx="minor">
+            <a:schemeClr val="tx1"/>
+          </a:fontRef>
+        </p:style>
+      </p:cxnSp>
+      <p:sp>
+        <p:nvSpPr>
+          <p:cNvPr id="7" name="텍스트 개체 틀 6">
+            <a:extLst>
+              <a:ext uri="{FF2B5EF4-FFF2-40B4-BE49-F238E27FC236}">
+                <a16:creationId xmlns:a16="http://schemas.microsoft.com/office/drawing/2014/main" id="{E8F109D7-8B27-48DB-A603-4D2B0EF0ED93}"/>
+              </a:ext>
+            </a:extLst>
+          </p:cNvPr>
+          <p:cNvSpPr>
+            <a:spLocks noGrp="1"/>
+          </p:cNvSpPr>
+          <p:nvPr>
+            <p:ph type="body" sz="quarter" idx="10"/>
+          </p:nvPr>
+        </p:nvSpPr>
+        <p:spPr/>
+        <p:txBody>
+          <a:bodyPr/>
+          <a:lstStyle/>
+          <a:p>
+            <a:r>
+              <a:rPr lang="en-US" altLang="ko-KR" dirty="0"/>
+              <a:t> </a:t>
+            </a:r>
+            <a:endParaRPr lang="ko-KR" altLang="en-US" dirty="0"/>
+          </a:p>
+        </p:txBody>
+      </p:sp>
+      <p:sp>
+        <p:nvSpPr>
+          <p:cNvPr id="4" name="직사각형 3">
+            <a:extLst>
+              <a:ext uri="{FF2B5EF4-FFF2-40B4-BE49-F238E27FC236}">
+                <a16:creationId xmlns:a16="http://schemas.microsoft.com/office/drawing/2014/main" id="{ED248A89-2966-7D40-BA13-319FD2CE126C}"/>
+              </a:ext>
+            </a:extLst>
+          </p:cNvPr>
+          <p:cNvSpPr/>
+          <p:nvPr/>
+        </p:nvSpPr>
+        <p:spPr>
+          <a:xfrm>
+            <a:off x="1643449" y="80319"/>
+            <a:ext cx="698156" cy="180329"/>
+          </a:xfrm>
+          <a:prstGeom prst="rect">
+            <a:avLst/>
+          </a:prstGeom>
+          <a:ln>
+            <a:solidFill>
+              <a:schemeClr val="bg1"/>
+            </a:solidFill>
+          </a:ln>
+        </p:spPr>
+        <p:style>
+          <a:lnRef idx="2">
+            <a:schemeClr val="dk1"/>
+          </a:lnRef>
+          <a:fillRef idx="1">
+            <a:schemeClr val="lt1"/>
+          </a:fillRef>
+          <a:effectRef idx="0">
+            <a:schemeClr val="dk1"/>
+          </a:effectRef>
+          <a:fontRef idx="minor">
+            <a:schemeClr val="dk1"/>
+          </a:fontRef>
+        </p:style>
+        <p:txBody>
+          <a:bodyPr rtlCol="0" anchor="ctr"/>
+          <a:lstStyle/>
+          <a:p>
+            <a:pPr algn="ctr"/>
+            <a:endParaRPr lang="ko-KR" altLang="en-US"/>
+          </a:p>
+        </p:txBody>
+      </p:sp>
+      <p:sp>
+        <p:nvSpPr>
+          <p:cNvPr id="6" name="TextBox 5">
+            <a:extLst>
+              <a:ext uri="{FF2B5EF4-FFF2-40B4-BE49-F238E27FC236}">
+                <a16:creationId xmlns:a16="http://schemas.microsoft.com/office/drawing/2014/main" id="{491C4DBA-4FA4-E25B-C9B9-9B7CF66571E4}"/>
+              </a:ext>
+            </a:extLst>
+          </p:cNvPr>
+          <p:cNvSpPr txBox="1"/>
+          <p:nvPr/>
+        </p:nvSpPr>
+        <p:spPr>
+          <a:xfrm>
+            <a:off x="1419934" y="-5317"/>
+            <a:ext cx="1145185" cy="276999"/>
+          </a:xfrm>
+          <a:prstGeom prst="rect">
+            <a:avLst/>
+          </a:prstGeom>
+          <a:noFill/>
+        </p:spPr>
+        <p:txBody>
+          <a:bodyPr wrap="none" rtlCol="0">
+            <a:spAutoFit/>
+          </a:bodyPr>
+          <a:lstStyle/>
+          <a:p>
+            <a:r>
+              <a:rPr lang="ko-KR" altLang="en-US" sz="1200" dirty="0"/>
+              <a:t>게시판 </a:t>
+            </a:r>
+            <a:r>
+              <a:rPr lang="en-US" altLang="ko-KR" sz="1200" dirty="0"/>
+              <a:t>A to Z</a:t>
+            </a:r>
+            <a:endParaRPr lang="ko-KR" altLang="en-US" sz="1200" dirty="0"/>
+          </a:p>
+        </p:txBody>
+      </p:sp>
+      <p:sp>
+        <p:nvSpPr>
+          <p:cNvPr id="10" name="직사각형 9">
+            <a:extLst>
+              <a:ext uri="{FF2B5EF4-FFF2-40B4-BE49-F238E27FC236}">
+                <a16:creationId xmlns:a16="http://schemas.microsoft.com/office/drawing/2014/main" id="{0ECCB857-DE5B-FBB3-2E3F-3D5AF10FDF64}"/>
+              </a:ext>
+            </a:extLst>
+          </p:cNvPr>
+          <p:cNvSpPr/>
+          <p:nvPr/>
+        </p:nvSpPr>
+        <p:spPr>
+          <a:xfrm>
+            <a:off x="169811" y="908223"/>
+            <a:ext cx="1862875" cy="5665552"/>
+          </a:xfrm>
+          <a:prstGeom prst="rect">
+            <a:avLst/>
+          </a:prstGeom>
+        </p:spPr>
+        <p:style>
+          <a:lnRef idx="2">
+            <a:schemeClr val="accent1">
+              <a:shade val="50000"/>
+            </a:schemeClr>
+          </a:lnRef>
+          <a:fillRef idx="1">
+            <a:schemeClr val="accent1"/>
+          </a:fillRef>
+          <a:effectRef idx="0">
+            <a:schemeClr val="accent1"/>
+          </a:effectRef>
+          <a:fontRef idx="minor">
+            <a:schemeClr val="lt1"/>
+          </a:fontRef>
+        </p:style>
+        <p:txBody>
+          <a:bodyPr rtlCol="0" anchor="ctr"/>
+          <a:lstStyle/>
+          <a:p>
+            <a:pPr algn="ctr"/>
+            <a:endParaRPr lang="ko-KR" altLang="en-US" dirty="0"/>
+          </a:p>
+        </p:txBody>
+      </p:sp>
+      <p:sp>
+        <p:nvSpPr>
+          <p:cNvPr id="11" name="TextBox 10">
+            <a:extLst>
+              <a:ext uri="{FF2B5EF4-FFF2-40B4-BE49-F238E27FC236}">
+                <a16:creationId xmlns:a16="http://schemas.microsoft.com/office/drawing/2014/main" id="{7DB8C12B-4947-F9C4-B147-7B0232AAD6DC}"/>
+              </a:ext>
+            </a:extLst>
+          </p:cNvPr>
+          <p:cNvSpPr txBox="1"/>
+          <p:nvPr/>
+        </p:nvSpPr>
+        <p:spPr>
+          <a:xfrm>
+            <a:off x="992036" y="2052592"/>
+            <a:ext cx="877163" cy="369332"/>
+          </a:xfrm>
+          <a:prstGeom prst="rect">
+            <a:avLst/>
+          </a:prstGeom>
+          <a:noFill/>
+        </p:spPr>
+        <p:txBody>
+          <a:bodyPr wrap="none" rtlCol="0">
+            <a:spAutoFit/>
+          </a:bodyPr>
+          <a:lstStyle/>
+          <a:p>
+            <a:r>
+              <a:rPr lang="ko-KR" altLang="en-US" dirty="0"/>
+              <a:t>관리자</a:t>
+            </a:r>
+          </a:p>
+        </p:txBody>
+      </p:sp>
+      <p:sp>
+        <p:nvSpPr>
+          <p:cNvPr id="12" name="타원 11">
+            <a:extLst>
+              <a:ext uri="{FF2B5EF4-FFF2-40B4-BE49-F238E27FC236}">
+                <a16:creationId xmlns:a16="http://schemas.microsoft.com/office/drawing/2014/main" id="{6602D1E5-A173-9001-9324-2EC2CA3FBD81}"/>
+              </a:ext>
+            </a:extLst>
+          </p:cNvPr>
+          <p:cNvSpPr/>
+          <p:nvPr/>
+        </p:nvSpPr>
+        <p:spPr>
+          <a:xfrm>
+            <a:off x="292701" y="1922188"/>
+            <a:ext cx="699333" cy="668713"/>
+          </a:xfrm>
+          <a:prstGeom prst="ellipse">
+            <a:avLst/>
+          </a:prstGeom>
+        </p:spPr>
+        <p:style>
+          <a:lnRef idx="2">
+            <a:schemeClr val="accent6">
+              <a:shade val="50000"/>
+            </a:schemeClr>
+          </a:lnRef>
+          <a:fillRef idx="1">
+            <a:schemeClr val="accent6"/>
+          </a:fillRef>
+          <a:effectRef idx="0">
+            <a:schemeClr val="accent6"/>
+          </a:effectRef>
+          <a:fontRef idx="minor">
+            <a:schemeClr val="lt1"/>
+          </a:fontRef>
+        </p:style>
+        <p:txBody>
+          <a:bodyPr rtlCol="0" anchor="ctr"/>
+          <a:lstStyle/>
+          <a:p>
+            <a:pPr algn="ctr"/>
+            <a:r>
+              <a:rPr lang="ko-KR" altLang="en-US" sz="800" dirty="0"/>
+              <a:t>프로필</a:t>
+            </a:r>
+          </a:p>
+        </p:txBody>
+      </p:sp>
+      <p:sp>
+        <p:nvSpPr>
+          <p:cNvPr id="8" name="모서리가 둥근 직사각형 7">
+            <a:extLst>
+              <a:ext uri="{FF2B5EF4-FFF2-40B4-BE49-F238E27FC236}">
+                <a16:creationId xmlns:a16="http://schemas.microsoft.com/office/drawing/2014/main" id="{019E0522-C23B-B642-8130-A4249EB5C953}"/>
+              </a:ext>
+            </a:extLst>
+          </p:cNvPr>
+          <p:cNvSpPr/>
+          <p:nvPr/>
+        </p:nvSpPr>
+        <p:spPr>
+          <a:xfrm>
+            <a:off x="1173123" y="2692804"/>
+            <a:ext cx="769389" cy="278780"/>
+          </a:xfrm>
+          <a:prstGeom prst="roundRect">
+            <a:avLst/>
+          </a:prstGeom>
+          <a:solidFill>
+            <a:schemeClr val="accent2"/>
+          </a:solidFill>
+          <a:ln>
+            <a:solidFill>
+              <a:schemeClr val="bg1"/>
+            </a:solidFill>
+          </a:ln>
+        </p:spPr>
+        <p:style>
+          <a:lnRef idx="2">
+            <a:schemeClr val="accent1">
+              <a:shade val="50000"/>
+            </a:schemeClr>
+          </a:lnRef>
+          <a:fillRef idx="1">
+            <a:schemeClr val="accent1"/>
+          </a:fillRef>
+          <a:effectRef idx="0">
+            <a:schemeClr val="accent1"/>
+          </a:effectRef>
+          <a:fontRef idx="minor">
+            <a:schemeClr val="lt1"/>
+          </a:fontRef>
+        </p:style>
+        <p:txBody>
+          <a:bodyPr rtlCol="0" anchor="ctr"/>
+          <a:lstStyle/>
+          <a:p>
+            <a:pPr algn="ctr"/>
+            <a:r>
+              <a:rPr kumimoji="1" lang="ko-Kore-KR" altLang="en-US" sz="1000" dirty="0"/>
+              <a:t>로그아웃</a:t>
+            </a:r>
+            <a:endParaRPr kumimoji="1" lang="ko-Kore-KR" altLang="en-US" sz="1200" dirty="0"/>
+          </a:p>
+        </p:txBody>
+      </p:sp>
+      <p:sp>
+        <p:nvSpPr>
+          <p:cNvPr id="18" name="모서리가 둥근 직사각형 17">
+            <a:extLst>
+              <a:ext uri="{FF2B5EF4-FFF2-40B4-BE49-F238E27FC236}">
+                <a16:creationId xmlns:a16="http://schemas.microsoft.com/office/drawing/2014/main" id="{93C97CB6-14BF-9544-BC57-0ADCD684568A}"/>
+              </a:ext>
+            </a:extLst>
+          </p:cNvPr>
+          <p:cNvSpPr/>
+          <p:nvPr/>
+        </p:nvSpPr>
+        <p:spPr>
+          <a:xfrm>
+            <a:off x="223385" y="2692804"/>
+            <a:ext cx="877163" cy="278780"/>
+          </a:xfrm>
+          <a:prstGeom prst="roundRect">
+            <a:avLst/>
+          </a:prstGeom>
+          <a:solidFill>
+            <a:schemeClr val="accent2"/>
+          </a:solidFill>
+          <a:ln>
+            <a:solidFill>
+              <a:schemeClr val="bg1"/>
+            </a:solidFill>
+          </a:ln>
+        </p:spPr>
+        <p:style>
+          <a:lnRef idx="2">
+            <a:schemeClr val="accent1">
+              <a:shade val="50000"/>
+            </a:schemeClr>
+          </a:lnRef>
+          <a:fillRef idx="1">
+            <a:schemeClr val="accent1"/>
+          </a:fillRef>
+          <a:effectRef idx="0">
+            <a:schemeClr val="accent1"/>
+          </a:effectRef>
+          <a:fontRef idx="minor">
+            <a:schemeClr val="lt1"/>
+          </a:fontRef>
+        </p:style>
+        <p:txBody>
+          <a:bodyPr rtlCol="0" anchor="ctr"/>
+          <a:lstStyle/>
+          <a:p>
+            <a:pPr algn="ctr"/>
+            <a:r>
+              <a:rPr kumimoji="1" lang="ko-Kore-KR" altLang="en-US" sz="1050" dirty="0"/>
+              <a:t>마이페이지</a:t>
+            </a:r>
+          </a:p>
+        </p:txBody>
+      </p:sp>
+      <p:sp>
+        <p:nvSpPr>
+          <p:cNvPr id="14" name="모서리가 둥근 직사각형 13">
+            <a:extLst>
+              <a:ext uri="{FF2B5EF4-FFF2-40B4-BE49-F238E27FC236}">
+                <a16:creationId xmlns:a16="http://schemas.microsoft.com/office/drawing/2014/main" id="{25E2AF80-729D-9348-A25A-69C74E86B7B9}"/>
+              </a:ext>
+            </a:extLst>
+          </p:cNvPr>
+          <p:cNvSpPr/>
+          <p:nvPr/>
+        </p:nvSpPr>
+        <p:spPr>
+          <a:xfrm>
+            <a:off x="412595" y="1076442"/>
+            <a:ext cx="1275517" cy="663148"/>
+          </a:xfrm>
+          <a:prstGeom prst="roundRect">
+            <a:avLst/>
+          </a:prstGeom>
+          <a:solidFill>
+            <a:schemeClr val="accent4"/>
+          </a:solidFill>
+          <a:ln>
+            <a:solidFill>
+              <a:schemeClr val="bg1"/>
+            </a:solidFill>
+          </a:ln>
+        </p:spPr>
+        <p:style>
+          <a:lnRef idx="2">
+            <a:schemeClr val="accent1">
+              <a:shade val="50000"/>
+            </a:schemeClr>
+          </a:lnRef>
+          <a:fillRef idx="1">
+            <a:schemeClr val="accent1"/>
+          </a:fillRef>
+          <a:effectRef idx="0">
+            <a:schemeClr val="accent1"/>
+          </a:effectRef>
+          <a:fontRef idx="minor">
+            <a:schemeClr val="lt1"/>
+          </a:fontRef>
+        </p:style>
+        <p:txBody>
+          <a:bodyPr rtlCol="0" anchor="ctr"/>
+          <a:lstStyle/>
+          <a:p>
+            <a:pPr algn="ctr"/>
+            <a:r>
+              <a:rPr kumimoji="1" lang="ko-KR" altLang="en-US" dirty="0"/>
+              <a:t>로고</a:t>
+            </a:r>
+            <a:endParaRPr kumimoji="1" lang="ko-Kore-KR" altLang="en-US" dirty="0"/>
+          </a:p>
+        </p:txBody>
+      </p:sp>
+      <p:sp>
+        <p:nvSpPr>
+          <p:cNvPr id="21" name="모서리가 둥근 직사각형 20">
+            <a:extLst>
+              <a:ext uri="{FF2B5EF4-FFF2-40B4-BE49-F238E27FC236}">
+                <a16:creationId xmlns:a16="http://schemas.microsoft.com/office/drawing/2014/main" id="{37D16A05-A062-2142-A90F-A9D333496BE4}"/>
+              </a:ext>
+            </a:extLst>
+          </p:cNvPr>
+          <p:cNvSpPr/>
+          <p:nvPr/>
+        </p:nvSpPr>
+        <p:spPr>
+          <a:xfrm>
+            <a:off x="312299" y="3933160"/>
+            <a:ext cx="1576497" cy="215769"/>
+          </a:xfrm>
+          <a:prstGeom prst="roundRect">
+            <a:avLst/>
+          </a:prstGeom>
+          <a:solidFill>
+            <a:srgbClr val="92D050"/>
+          </a:solidFill>
+          <a:ln>
+            <a:solidFill>
+              <a:schemeClr val="bg1"/>
+            </a:solidFill>
+          </a:ln>
+        </p:spPr>
+        <p:style>
+          <a:lnRef idx="2">
+            <a:schemeClr val="accent1">
+              <a:shade val="50000"/>
+            </a:schemeClr>
+          </a:lnRef>
+          <a:fillRef idx="1">
+            <a:schemeClr val="accent1"/>
+          </a:fillRef>
+          <a:effectRef idx="0">
+            <a:schemeClr val="accent1"/>
+          </a:effectRef>
+          <a:fontRef idx="minor">
+            <a:schemeClr val="lt1"/>
+          </a:fontRef>
+        </p:style>
+        <p:txBody>
+          <a:bodyPr rtlCol="0" anchor="ctr"/>
+          <a:lstStyle/>
+          <a:p>
+            <a:pPr algn="ctr"/>
+            <a:r>
+              <a:rPr kumimoji="1" lang="ko-KR" altLang="en-US" sz="1000" dirty="0"/>
+              <a:t>공지사항</a:t>
+            </a:r>
+            <a:endParaRPr kumimoji="1" lang="ko-Kore-KR" altLang="en-US" sz="1000" dirty="0"/>
+          </a:p>
+        </p:txBody>
+      </p:sp>
+      <p:sp>
+        <p:nvSpPr>
+          <p:cNvPr id="30" name="모서리가 둥근 직사각형 29">
+            <a:extLst>
+              <a:ext uri="{FF2B5EF4-FFF2-40B4-BE49-F238E27FC236}">
+                <a16:creationId xmlns:a16="http://schemas.microsoft.com/office/drawing/2014/main" id="{BF276643-9A22-8A42-B9D7-EF6EE1D94711}"/>
+              </a:ext>
+            </a:extLst>
+          </p:cNvPr>
+          <p:cNvSpPr/>
+          <p:nvPr/>
+        </p:nvSpPr>
+        <p:spPr>
+          <a:xfrm>
+            <a:off x="312299" y="4221329"/>
+            <a:ext cx="1576497" cy="215769"/>
+          </a:xfrm>
+          <a:prstGeom prst="roundRect">
+            <a:avLst/>
+          </a:prstGeom>
+          <a:solidFill>
+            <a:srgbClr val="92D050"/>
+          </a:solidFill>
+          <a:ln>
+            <a:solidFill>
+              <a:schemeClr val="bg1"/>
+            </a:solidFill>
+          </a:ln>
+        </p:spPr>
+        <p:style>
+          <a:lnRef idx="2">
+            <a:schemeClr val="accent1">
+              <a:shade val="50000"/>
+            </a:schemeClr>
+          </a:lnRef>
+          <a:fillRef idx="1">
+            <a:schemeClr val="accent1"/>
+          </a:fillRef>
+          <a:effectRef idx="0">
+            <a:schemeClr val="accent1"/>
+          </a:effectRef>
+          <a:fontRef idx="minor">
+            <a:schemeClr val="lt1"/>
+          </a:fontRef>
+        </p:style>
+        <p:txBody>
+          <a:bodyPr rtlCol="0" anchor="ctr"/>
+          <a:lstStyle/>
+          <a:p>
+            <a:pPr algn="ctr"/>
+            <a:r>
+              <a:rPr kumimoji="1" lang="ko-Kore-KR" altLang="en-US" sz="1000" dirty="0"/>
+              <a:t>자유게시판</a:t>
+            </a:r>
+          </a:p>
+        </p:txBody>
+      </p:sp>
+      <p:sp>
+        <p:nvSpPr>
+          <p:cNvPr id="32" name="모서리가 둥근 직사각형 31">
+            <a:extLst>
+              <a:ext uri="{FF2B5EF4-FFF2-40B4-BE49-F238E27FC236}">
+                <a16:creationId xmlns:a16="http://schemas.microsoft.com/office/drawing/2014/main" id="{159DA14A-08C6-1946-B8E4-F07B1C1C6599}"/>
+              </a:ext>
+            </a:extLst>
+          </p:cNvPr>
+          <p:cNvSpPr/>
+          <p:nvPr/>
+        </p:nvSpPr>
+        <p:spPr>
+          <a:xfrm>
+            <a:off x="312299" y="4500829"/>
+            <a:ext cx="1576497" cy="215769"/>
+          </a:xfrm>
+          <a:prstGeom prst="roundRect">
+            <a:avLst/>
+          </a:prstGeom>
+          <a:solidFill>
+            <a:srgbClr val="92D050"/>
+          </a:solidFill>
+          <a:ln>
+            <a:solidFill>
+              <a:schemeClr val="bg1"/>
+            </a:solidFill>
+          </a:ln>
+        </p:spPr>
+        <p:style>
+          <a:lnRef idx="2">
+            <a:schemeClr val="accent1">
+              <a:shade val="50000"/>
+            </a:schemeClr>
+          </a:lnRef>
+          <a:fillRef idx="1">
+            <a:schemeClr val="accent1"/>
+          </a:fillRef>
+          <a:effectRef idx="0">
+            <a:schemeClr val="accent1"/>
+          </a:effectRef>
+          <a:fontRef idx="minor">
+            <a:schemeClr val="lt1"/>
+          </a:fontRef>
+        </p:style>
+        <p:txBody>
+          <a:bodyPr rtlCol="0" anchor="ctr"/>
+          <a:lstStyle/>
+          <a:p>
+            <a:pPr algn="ctr"/>
+            <a:r>
+              <a:rPr kumimoji="1" lang="ko-Kore-KR" altLang="en-US" sz="1000" dirty="0"/>
+              <a:t>운영자</a:t>
+            </a:r>
+            <a:r>
+              <a:rPr kumimoji="1" lang="ko-KR" altLang="en-US" sz="1000" dirty="0"/>
+              <a:t> 초이스</a:t>
+            </a:r>
+            <a:endParaRPr kumimoji="1" lang="ko-Kore-KR" altLang="en-US" sz="1000" dirty="0"/>
+          </a:p>
+        </p:txBody>
+      </p:sp>
+      <p:sp>
+        <p:nvSpPr>
+          <p:cNvPr id="33" name="모서리가 둥근 직사각형 32">
+            <a:extLst>
+              <a:ext uri="{FF2B5EF4-FFF2-40B4-BE49-F238E27FC236}">
+                <a16:creationId xmlns:a16="http://schemas.microsoft.com/office/drawing/2014/main" id="{C453009D-418E-744B-8104-A24773C30CE6}"/>
+              </a:ext>
+            </a:extLst>
+          </p:cNvPr>
+          <p:cNvSpPr/>
+          <p:nvPr/>
+        </p:nvSpPr>
+        <p:spPr>
+          <a:xfrm>
+            <a:off x="312299" y="4780329"/>
+            <a:ext cx="1576497" cy="215769"/>
+          </a:xfrm>
+          <a:prstGeom prst="roundRect">
+            <a:avLst/>
+          </a:prstGeom>
+          <a:solidFill>
+            <a:schemeClr val="accent2">
+              <a:lumMod val="40000"/>
+              <a:lumOff val="60000"/>
+            </a:schemeClr>
+          </a:solidFill>
+          <a:ln>
+            <a:solidFill>
+              <a:schemeClr val="bg1"/>
+            </a:solidFill>
+          </a:ln>
+        </p:spPr>
+        <p:style>
+          <a:lnRef idx="2">
+            <a:schemeClr val="accent1">
+              <a:shade val="50000"/>
+            </a:schemeClr>
+          </a:lnRef>
+          <a:fillRef idx="1">
+            <a:schemeClr val="accent1"/>
+          </a:fillRef>
+          <a:effectRef idx="0">
+            <a:schemeClr val="accent1"/>
+          </a:effectRef>
+          <a:fontRef idx="minor">
+            <a:schemeClr val="lt1"/>
+          </a:fontRef>
+        </p:style>
+        <p:txBody>
+          <a:bodyPr rtlCol="0" anchor="ctr"/>
+          <a:lstStyle/>
+          <a:p>
+            <a:pPr algn="ctr"/>
+            <a:r>
+              <a:rPr kumimoji="1" lang="en-US" altLang="ko-Kore-KR" sz="1000" dirty="0" err="1"/>
+              <a:t>QnA</a:t>
+            </a:r>
+            <a:endParaRPr kumimoji="1" lang="ko-Kore-KR" altLang="en-US" sz="1000" dirty="0"/>
+          </a:p>
+        </p:txBody>
+      </p:sp>
+      <p:sp>
+        <p:nvSpPr>
+          <p:cNvPr id="34" name="모서리가 둥근 직사각형 33">
+            <a:extLst>
+              <a:ext uri="{FF2B5EF4-FFF2-40B4-BE49-F238E27FC236}">
+                <a16:creationId xmlns:a16="http://schemas.microsoft.com/office/drawing/2014/main" id="{136DFB11-A733-B14D-A8AA-936DADE6CC3B}"/>
+              </a:ext>
+            </a:extLst>
+          </p:cNvPr>
+          <p:cNvSpPr/>
+          <p:nvPr/>
+        </p:nvSpPr>
+        <p:spPr>
+          <a:xfrm>
+            <a:off x="312299" y="5059829"/>
+            <a:ext cx="1576497" cy="215769"/>
+          </a:xfrm>
+          <a:prstGeom prst="roundRect">
+            <a:avLst/>
+          </a:prstGeom>
+          <a:solidFill>
+            <a:schemeClr val="accent2">
+              <a:lumMod val="40000"/>
+              <a:lumOff val="60000"/>
+            </a:schemeClr>
+          </a:solidFill>
+          <a:ln>
+            <a:solidFill>
+              <a:schemeClr val="bg1"/>
+            </a:solidFill>
+          </a:ln>
+        </p:spPr>
+        <p:style>
+          <a:lnRef idx="2">
+            <a:schemeClr val="accent1">
+              <a:shade val="50000"/>
+            </a:schemeClr>
+          </a:lnRef>
+          <a:fillRef idx="1">
+            <a:schemeClr val="accent1"/>
+          </a:fillRef>
+          <a:effectRef idx="0">
+            <a:schemeClr val="accent1"/>
+          </a:effectRef>
+          <a:fontRef idx="minor">
+            <a:schemeClr val="lt1"/>
+          </a:fontRef>
+        </p:style>
+        <p:txBody>
+          <a:bodyPr rtlCol="0" anchor="ctr"/>
+          <a:lstStyle/>
+          <a:p>
+            <a:pPr algn="ctr"/>
+            <a:r>
+              <a:rPr kumimoji="1" lang="ko-Kore-KR" altLang="en-US" sz="1000" dirty="0"/>
+              <a:t>회원</a:t>
+            </a:r>
+            <a:r>
+              <a:rPr kumimoji="1" lang="ko-KR" altLang="en-US" sz="1000" dirty="0"/>
+              <a:t> 관리</a:t>
+            </a:r>
+            <a:endParaRPr kumimoji="1" lang="ko-Kore-KR" altLang="en-US" sz="1000" dirty="0"/>
+          </a:p>
+        </p:txBody>
+      </p:sp>
+      <p:sp>
+        <p:nvSpPr>
+          <p:cNvPr id="35" name="모서리가 둥근 직사각형 34">
+            <a:extLst>
+              <a:ext uri="{FF2B5EF4-FFF2-40B4-BE49-F238E27FC236}">
+                <a16:creationId xmlns:a16="http://schemas.microsoft.com/office/drawing/2014/main" id="{B80CFD55-F222-044B-90A3-5668FD1CFC4F}"/>
+              </a:ext>
+            </a:extLst>
+          </p:cNvPr>
+          <p:cNvSpPr/>
+          <p:nvPr/>
+        </p:nvSpPr>
+        <p:spPr>
+          <a:xfrm>
+            <a:off x="312299" y="5347998"/>
+            <a:ext cx="1576497" cy="215769"/>
+          </a:xfrm>
+          <a:prstGeom prst="roundRect">
+            <a:avLst/>
+          </a:prstGeom>
+          <a:solidFill>
+            <a:schemeClr val="tx2">
+              <a:lumMod val="60000"/>
+              <a:lumOff val="40000"/>
+            </a:schemeClr>
+          </a:solidFill>
+          <a:ln>
+            <a:solidFill>
+              <a:schemeClr val="bg1"/>
+            </a:solidFill>
+          </a:ln>
+        </p:spPr>
+        <p:style>
+          <a:lnRef idx="2">
+            <a:schemeClr val="accent1">
+              <a:shade val="50000"/>
+            </a:schemeClr>
+          </a:lnRef>
+          <a:fillRef idx="1">
+            <a:schemeClr val="accent1"/>
+          </a:fillRef>
+          <a:effectRef idx="0">
+            <a:schemeClr val="accent1"/>
+          </a:effectRef>
+          <a:fontRef idx="minor">
+            <a:schemeClr val="lt1"/>
+          </a:fontRef>
+        </p:style>
+        <p:txBody>
+          <a:bodyPr rtlCol="0" anchor="ctr"/>
+          <a:lstStyle/>
+          <a:p>
+            <a:pPr algn="ctr"/>
+            <a:r>
+              <a:rPr kumimoji="1" lang="ko-Kore-KR" altLang="en-US" sz="1000" dirty="0"/>
+              <a:t>게시판</a:t>
+            </a:r>
+            <a:r>
+              <a:rPr kumimoji="1" lang="ko-KR" altLang="en-US" sz="1000" dirty="0"/>
+              <a:t> 관리</a:t>
+            </a:r>
+            <a:endParaRPr kumimoji="1" lang="ko-Kore-KR" altLang="en-US" sz="1000" dirty="0"/>
+          </a:p>
+        </p:txBody>
+      </p:sp>
+      <p:sp>
+        <p:nvSpPr>
+          <p:cNvPr id="16" name="TextBox 15">
+            <a:extLst>
+              <a:ext uri="{FF2B5EF4-FFF2-40B4-BE49-F238E27FC236}">
+                <a16:creationId xmlns:a16="http://schemas.microsoft.com/office/drawing/2014/main" id="{5DAB8C90-CFE0-9242-AEF5-CE836A3AD92E}"/>
+              </a:ext>
+            </a:extLst>
+          </p:cNvPr>
+          <p:cNvSpPr txBox="1"/>
+          <p:nvPr/>
+        </p:nvSpPr>
+        <p:spPr>
+          <a:xfrm>
+            <a:off x="7711440" y="-1691640"/>
+            <a:ext cx="184731" cy="369332"/>
+          </a:xfrm>
+          <a:prstGeom prst="rect">
+            <a:avLst/>
+          </a:prstGeom>
+          <a:noFill/>
+        </p:spPr>
+        <p:txBody>
+          <a:bodyPr wrap="none" rtlCol="0">
+            <a:spAutoFit/>
+          </a:bodyPr>
+          <a:lstStyle/>
+          <a:p>
+            <a:endParaRPr kumimoji="1" lang="ko-Kore-KR" altLang="en-US" dirty="0"/>
+          </a:p>
+        </p:txBody>
+      </p:sp>
+      <p:sp>
+        <p:nvSpPr>
+          <p:cNvPr id="40" name="모서리가 둥근 직사각형 39">
+            <a:extLst>
+              <a:ext uri="{FF2B5EF4-FFF2-40B4-BE49-F238E27FC236}">
+                <a16:creationId xmlns:a16="http://schemas.microsoft.com/office/drawing/2014/main" id="{1AC3C89C-E7CA-7C43-961C-8D0A4CA409A1}"/>
+              </a:ext>
+            </a:extLst>
+          </p:cNvPr>
+          <p:cNvSpPr/>
+          <p:nvPr/>
+        </p:nvSpPr>
+        <p:spPr>
+          <a:xfrm>
+            <a:off x="312299" y="3653660"/>
+            <a:ext cx="1576497" cy="215769"/>
+          </a:xfrm>
+          <a:prstGeom prst="roundRect">
+            <a:avLst/>
+          </a:prstGeom>
+          <a:solidFill>
+            <a:schemeClr val="bg1"/>
+          </a:solidFill>
+          <a:ln>
+            <a:solidFill>
+              <a:schemeClr val="tx1"/>
+            </a:solidFill>
+          </a:ln>
+        </p:spPr>
+        <p:style>
+          <a:lnRef idx="2">
+            <a:schemeClr val="accent1">
+              <a:shade val="50000"/>
+            </a:schemeClr>
+          </a:lnRef>
+          <a:fillRef idx="1">
+            <a:schemeClr val="accent1"/>
+          </a:fillRef>
+          <a:effectRef idx="0">
+            <a:schemeClr val="accent1"/>
+          </a:effectRef>
+          <a:fontRef idx="minor">
+            <a:schemeClr val="lt1"/>
+          </a:fontRef>
+        </p:style>
+        <p:txBody>
+          <a:bodyPr rtlCol="0" anchor="ctr"/>
+          <a:lstStyle/>
+          <a:p>
+            <a:pPr algn="ctr"/>
+            <a:r>
+              <a:rPr kumimoji="1" lang="ko-KR" altLang="en-US" sz="1000" dirty="0" err="1">
+                <a:solidFill>
+                  <a:schemeClr val="tx1"/>
+                </a:solidFill>
+              </a:rPr>
+              <a:t>검색창</a:t>
+            </a:r>
+            <a:endParaRPr kumimoji="1" lang="ko-Kore-KR" altLang="en-US" sz="1000" dirty="0">
+              <a:solidFill>
+                <a:schemeClr val="tx1"/>
+              </a:solidFill>
+            </a:endParaRPr>
+          </a:p>
+        </p:txBody>
+      </p:sp>
+      <p:sp>
+        <p:nvSpPr>
+          <p:cNvPr id="9" name="사각형: 둥근 모서리 8">
+            <a:extLst>
+              <a:ext uri="{FF2B5EF4-FFF2-40B4-BE49-F238E27FC236}">
+                <a16:creationId xmlns:a16="http://schemas.microsoft.com/office/drawing/2014/main" id="{FECE17F4-1CA0-6BCF-101B-525D2A123D77}"/>
+              </a:ext>
+            </a:extLst>
+          </p:cNvPr>
+          <p:cNvSpPr/>
+          <p:nvPr/>
+        </p:nvSpPr>
+        <p:spPr>
+          <a:xfrm>
+            <a:off x="6802629" y="952878"/>
+            <a:ext cx="1963999" cy="247128"/>
+          </a:xfrm>
+          <a:prstGeom prst="roundRect">
+            <a:avLst/>
+          </a:prstGeom>
+        </p:spPr>
+        <p:style>
+          <a:lnRef idx="2">
+            <a:schemeClr val="dk1"/>
+          </a:lnRef>
+          <a:fillRef idx="1">
+            <a:schemeClr val="lt1"/>
+          </a:fillRef>
+          <a:effectRef idx="0">
+            <a:schemeClr val="dk1"/>
+          </a:effectRef>
+          <a:fontRef idx="minor">
+            <a:schemeClr val="dk1"/>
+          </a:fontRef>
+        </p:style>
+        <p:txBody>
+          <a:bodyPr rtlCol="0" anchor="ctr"/>
+          <a:lstStyle/>
+          <a:p>
+            <a:pPr algn="ctr"/>
+            <a:r>
+              <a:rPr lang="ko-KR" altLang="en-US" dirty="0">
+                <a:solidFill>
+                  <a:schemeClr val="bg1">
+                    <a:lumMod val="65000"/>
+                  </a:schemeClr>
+                </a:solidFill>
+              </a:rPr>
+              <a:t>게시판 선택</a:t>
+            </a:r>
+          </a:p>
+        </p:txBody>
+      </p:sp>
+      <p:sp>
+        <p:nvSpPr>
+          <p:cNvPr id="13" name="TextBox 12">
+            <a:extLst>
+              <a:ext uri="{FF2B5EF4-FFF2-40B4-BE49-F238E27FC236}">
+                <a16:creationId xmlns:a16="http://schemas.microsoft.com/office/drawing/2014/main" id="{1E1B0810-3282-97AB-BAA8-3DD8C2D2BCDF}"/>
+              </a:ext>
+            </a:extLst>
+          </p:cNvPr>
+          <p:cNvSpPr txBox="1"/>
+          <p:nvPr/>
+        </p:nvSpPr>
+        <p:spPr>
+          <a:xfrm>
+            <a:off x="2220638" y="908223"/>
+            <a:ext cx="1963999" cy="369332"/>
+          </a:xfrm>
+          <a:prstGeom prst="rect">
+            <a:avLst/>
+          </a:prstGeom>
+          <a:noFill/>
+        </p:spPr>
+        <p:txBody>
+          <a:bodyPr wrap="none" rtlCol="0">
+            <a:spAutoFit/>
+          </a:bodyPr>
+          <a:lstStyle/>
+          <a:p>
+            <a:r>
+              <a:rPr lang="ko-KR" altLang="en-US" sz="1800" dirty="0">
+                <a:ea typeface="KoPubWorld돋움체 Bold" panose="00000800000000000000" pitchFamily="2" charset="-127"/>
+                <a:cs typeface="KoPubWorld돋움체 Bold" panose="00000800000000000000" pitchFamily="2" charset="-127"/>
+              </a:rPr>
+              <a:t>게시판 통계 조회</a:t>
+            </a:r>
+            <a:endParaRPr lang="ko-KR" altLang="en-US" dirty="0"/>
+          </a:p>
+        </p:txBody>
+      </p:sp>
+      <p:sp>
+        <p:nvSpPr>
+          <p:cNvPr id="17" name="직사각형 16">
+            <a:extLst>
+              <a:ext uri="{FF2B5EF4-FFF2-40B4-BE49-F238E27FC236}">
+                <a16:creationId xmlns:a16="http://schemas.microsoft.com/office/drawing/2014/main" id="{EC72F20A-6759-312C-771F-C228165DBD35}"/>
+              </a:ext>
+            </a:extLst>
+          </p:cNvPr>
+          <p:cNvSpPr/>
+          <p:nvPr/>
+        </p:nvSpPr>
+        <p:spPr>
+          <a:xfrm>
+            <a:off x="6802629" y="1200006"/>
+            <a:ext cx="1963999" cy="610259"/>
+          </a:xfrm>
+          <a:prstGeom prst="rect">
+            <a:avLst/>
+          </a:prstGeom>
+        </p:spPr>
+        <p:style>
+          <a:lnRef idx="2">
+            <a:schemeClr val="dk1"/>
+          </a:lnRef>
+          <a:fillRef idx="1">
+            <a:schemeClr val="lt1"/>
+          </a:fillRef>
+          <a:effectRef idx="0">
+            <a:schemeClr val="dk1"/>
+          </a:effectRef>
+          <a:fontRef idx="minor">
+            <a:schemeClr val="dk1"/>
+          </a:fontRef>
+        </p:style>
+        <p:txBody>
+          <a:bodyPr rtlCol="0" anchor="ctr"/>
+          <a:lstStyle/>
+          <a:p>
+            <a:pPr algn="ctr"/>
+            <a:r>
+              <a:rPr lang="ko-KR" altLang="en-US" sz="1400" dirty="0"/>
+              <a:t>공지사항</a:t>
+            </a:r>
+            <a:endParaRPr lang="en-US" altLang="ko-KR" sz="1400" dirty="0"/>
+          </a:p>
+          <a:p>
+            <a:pPr algn="ctr"/>
+            <a:r>
+              <a:rPr lang="ko-KR" altLang="en-US" sz="1400" dirty="0"/>
+              <a:t>자유게시판</a:t>
+            </a:r>
+            <a:endParaRPr lang="en-US" altLang="ko-KR" sz="1400" dirty="0"/>
+          </a:p>
+          <a:p>
+            <a:pPr algn="ctr"/>
+            <a:r>
+              <a:rPr lang="ko-KR" altLang="en-US" sz="1400" dirty="0"/>
+              <a:t>게시판</a:t>
+            </a:r>
+            <a:r>
+              <a:rPr lang="en-US" altLang="ko-KR" sz="1400" dirty="0"/>
+              <a:t>1 …</a:t>
+            </a:r>
+            <a:endParaRPr lang="ko-KR" altLang="en-US" sz="1400" dirty="0"/>
+          </a:p>
+        </p:txBody>
+      </p:sp>
+      <p:sp>
+        <p:nvSpPr>
+          <p:cNvPr id="19" name="TextBox 18">
+            <a:extLst>
+              <a:ext uri="{FF2B5EF4-FFF2-40B4-BE49-F238E27FC236}">
+                <a16:creationId xmlns:a16="http://schemas.microsoft.com/office/drawing/2014/main" id="{2569699D-6402-60AB-38A5-7B6E18017937}"/>
+              </a:ext>
+            </a:extLst>
+          </p:cNvPr>
+          <p:cNvSpPr txBox="1"/>
+          <p:nvPr/>
+        </p:nvSpPr>
+        <p:spPr>
+          <a:xfrm>
+            <a:off x="3095447" y="2786918"/>
+            <a:ext cx="4972836" cy="2585323"/>
+          </a:xfrm>
+          <a:prstGeom prst="rect">
+            <a:avLst/>
+          </a:prstGeom>
+          <a:noFill/>
+        </p:spPr>
+        <p:txBody>
+          <a:bodyPr wrap="none" rtlCol="0">
+            <a:spAutoFit/>
+          </a:bodyPr>
+          <a:lstStyle/>
+          <a:p>
+            <a:r>
+              <a:rPr lang="ko-KR" altLang="en-US" b="0" i="0" dirty="0">
+                <a:solidFill>
+                  <a:srgbClr val="111111"/>
+                </a:solidFill>
+                <a:effectLst/>
+                <a:latin typeface="Inter"/>
+              </a:rPr>
+              <a:t>페이지 방문 수</a:t>
+            </a:r>
+          </a:p>
+          <a:p>
+            <a:r>
+              <a:rPr lang="ko-KR" altLang="en-US" dirty="0"/>
+              <a:t>방문한 페이지 별 통계</a:t>
+            </a:r>
+            <a:r>
+              <a:rPr lang="en-US" altLang="ko-KR" dirty="0"/>
+              <a:t>??</a:t>
+            </a:r>
+          </a:p>
+          <a:p>
+            <a:r>
+              <a:rPr lang="ko-KR" altLang="en-US" dirty="0"/>
+              <a:t>신규 회원가입 수</a:t>
+            </a:r>
+            <a:r>
+              <a:rPr lang="en-US" altLang="ko-KR" dirty="0"/>
+              <a:t>(</a:t>
+            </a:r>
+            <a:r>
+              <a:rPr lang="ko-KR" altLang="en-US" dirty="0"/>
+              <a:t>그래프</a:t>
+            </a:r>
+            <a:r>
+              <a:rPr lang="en-US" altLang="ko-KR" dirty="0"/>
+              <a:t>?)</a:t>
+            </a:r>
+          </a:p>
+          <a:p>
+            <a:endParaRPr lang="en-US" altLang="ko-KR" dirty="0"/>
+          </a:p>
+          <a:p>
+            <a:r>
+              <a:rPr lang="ko-KR" altLang="en-US" dirty="0"/>
+              <a:t>일일 방문 수</a:t>
+            </a:r>
+            <a:r>
+              <a:rPr lang="en-US" altLang="ko-KR" dirty="0"/>
+              <a:t>(</a:t>
+            </a:r>
+            <a:r>
+              <a:rPr lang="ko-KR" altLang="en-US" dirty="0"/>
+              <a:t>신규</a:t>
+            </a:r>
+            <a:r>
+              <a:rPr lang="en-US" altLang="ko-KR" dirty="0"/>
+              <a:t>, </a:t>
+            </a:r>
+            <a:r>
+              <a:rPr lang="ko-KR" altLang="en-US" dirty="0" err="1"/>
+              <a:t>순방문</a:t>
+            </a:r>
+            <a:r>
+              <a:rPr lang="en-US" altLang="ko-KR" dirty="0"/>
+              <a:t>??) -&gt; </a:t>
+            </a:r>
+            <a:r>
+              <a:rPr lang="en-US" altLang="ko-KR" dirty="0" err="1"/>
+              <a:t>ip</a:t>
+            </a:r>
+            <a:r>
+              <a:rPr lang="ko-KR" altLang="en-US" dirty="0"/>
+              <a:t>정보 수집</a:t>
+            </a:r>
+            <a:r>
+              <a:rPr lang="en-US" altLang="ko-KR" dirty="0"/>
+              <a:t>??</a:t>
+            </a:r>
+          </a:p>
+          <a:p>
+            <a:r>
+              <a:rPr lang="ko-KR" altLang="en-US" dirty="0"/>
+              <a:t>일일 회원가입 </a:t>
+            </a:r>
+            <a:r>
+              <a:rPr lang="en-US" altLang="ko-KR" dirty="0"/>
+              <a:t>(</a:t>
+            </a:r>
+            <a:r>
+              <a:rPr lang="ko-KR" altLang="en-US" dirty="0"/>
+              <a:t>탈퇴</a:t>
+            </a:r>
+            <a:r>
+              <a:rPr lang="en-US" altLang="ko-KR" dirty="0"/>
+              <a:t>?)</a:t>
+            </a:r>
+          </a:p>
+          <a:p>
+            <a:r>
+              <a:rPr lang="ko-KR" altLang="en-US" dirty="0"/>
+              <a:t>일일 작성 글</a:t>
+            </a:r>
+            <a:r>
+              <a:rPr lang="en-US" altLang="ko-KR" dirty="0"/>
+              <a:t>, </a:t>
+            </a:r>
+            <a:r>
+              <a:rPr lang="ko-KR" altLang="en-US" dirty="0"/>
+              <a:t>댓글 수</a:t>
+            </a:r>
+            <a:r>
+              <a:rPr lang="en-US" altLang="ko-KR" dirty="0"/>
+              <a:t>(</a:t>
+            </a:r>
+            <a:r>
+              <a:rPr lang="ko-KR" altLang="en-US" dirty="0"/>
+              <a:t>게시판 별</a:t>
+            </a:r>
+            <a:r>
+              <a:rPr lang="en-US" altLang="ko-KR" dirty="0"/>
+              <a:t>)??</a:t>
+            </a:r>
+          </a:p>
+          <a:p>
+            <a:endParaRPr lang="en-US" altLang="ko-KR" dirty="0"/>
+          </a:p>
+          <a:p>
+            <a:r>
+              <a:rPr lang="en-US" altLang="ko-KR" dirty="0"/>
+              <a:t>-&gt; </a:t>
+            </a:r>
+            <a:r>
+              <a:rPr lang="ko-KR" altLang="en-US" dirty="0"/>
+              <a:t>월간</a:t>
+            </a:r>
+            <a:r>
+              <a:rPr lang="en-US" altLang="ko-KR" dirty="0"/>
+              <a:t>, </a:t>
+            </a:r>
+            <a:r>
+              <a:rPr lang="ko-KR" altLang="en-US" dirty="0"/>
+              <a:t>주간으로 그래프화</a:t>
+            </a:r>
+            <a:r>
+              <a:rPr lang="en-US" altLang="ko-KR" dirty="0"/>
+              <a:t>??? -&gt; </a:t>
+            </a:r>
+            <a:r>
+              <a:rPr lang="ko-KR" altLang="en-US" dirty="0"/>
+              <a:t>캘린더</a:t>
+            </a:r>
+          </a:p>
+        </p:txBody>
+      </p:sp>
+      <p:sp>
+        <p:nvSpPr>
+          <p:cNvPr id="20" name="TextBox 19">
+            <a:extLst>
+              <a:ext uri="{FF2B5EF4-FFF2-40B4-BE49-F238E27FC236}">
+                <a16:creationId xmlns:a16="http://schemas.microsoft.com/office/drawing/2014/main" id="{BA0A8E09-E770-CA2E-D5F3-7F1D67F9060A}"/>
+              </a:ext>
+            </a:extLst>
+          </p:cNvPr>
+          <p:cNvSpPr txBox="1"/>
+          <p:nvPr/>
+        </p:nvSpPr>
+        <p:spPr>
+          <a:xfrm>
+            <a:off x="5894173" y="5637723"/>
+            <a:ext cx="2828723" cy="369332"/>
+          </a:xfrm>
+          <a:prstGeom prst="rect">
+            <a:avLst/>
+          </a:prstGeom>
+          <a:noFill/>
+        </p:spPr>
+        <p:txBody>
+          <a:bodyPr wrap="none" rtlCol="0">
+            <a:spAutoFit/>
+          </a:bodyPr>
+          <a:lstStyle/>
+          <a:p>
+            <a:r>
+              <a:rPr lang="ko-KR" altLang="en-US" dirty="0"/>
+              <a:t>관련 </a:t>
+            </a:r>
+            <a:r>
+              <a:rPr lang="en-US" altLang="ko-KR" dirty="0" err="1"/>
+              <a:t>api</a:t>
+            </a:r>
+            <a:r>
+              <a:rPr lang="en-US" altLang="ko-KR" dirty="0"/>
+              <a:t> google</a:t>
+            </a:r>
+            <a:r>
+              <a:rPr lang="ko-KR" altLang="en-US" dirty="0"/>
+              <a:t> </a:t>
+            </a:r>
+            <a:r>
+              <a:rPr lang="en-US" altLang="ko-KR" dirty="0"/>
+              <a:t>analytics</a:t>
+            </a:r>
+            <a:endParaRPr lang="ko-KR" altLang="en-US" dirty="0"/>
+          </a:p>
+        </p:txBody>
+      </p:sp>
+    </p:spTree>
+    <p:extLst>
+      <p:ext uri="{BB962C8B-B14F-4D97-AF65-F5344CB8AC3E}">
+        <p14:creationId xmlns:p14="http://schemas.microsoft.com/office/powerpoint/2010/main" val="349266742"/>
+      </p:ext>
+    </p:extLst>
+  </p:cSld>
+  <p:clrMapOvr>
+    <a:masterClrMapping/>
+  </p:clrMapOvr>
+</p:sld>
+</file>
+
+<file path=ppt/slides/slide11.xml><?xml version="1.0" encoding="utf-8"?>
+<p:sld xmlns:a="http://schemas.openxmlformats.org/drawingml/2006/main" xmlns:r="http://schemas.openxmlformats.org/officeDocument/2006/relationships" xmlns:p="http://schemas.openxmlformats.org/presentationml/2006/main">
+  <p:cSld>
+    <p:spTree>
+      <p:nvGrpSpPr>
+        <p:cNvPr id="1" name=""/>
+        <p:cNvGrpSpPr/>
+        <p:nvPr/>
+      </p:nvGrpSpPr>
+      <p:grpSpPr>
+        <a:xfrm>
+          <a:off x="0" y="0"/>
+          <a:ext cx="0" cy="0"/>
+          <a:chOff x="0" y="0"/>
+          <a:chExt cx="0" cy="0"/>
+        </a:xfrm>
+      </p:grpSpPr>
+      <p:sp>
+        <p:nvSpPr>
+          <p:cNvPr id="31" name="슬라이드 번호 개체 틀 30"/>
+          <p:cNvSpPr txBox="1">
+            <a:spLocks noGrp="1"/>
+          </p:cNvSpPr>
+          <p:nvPr/>
+        </p:nvSpPr>
+        <p:spPr>
+          <a:xfrm>
+            <a:off x="11573172" y="-1"/>
+            <a:ext cx="571500" cy="285750"/>
+          </a:xfrm>
+          <a:prstGeom prst="rect">
+            <a:avLst/>
+          </a:prstGeom>
+          <a:noFill/>
+        </p:spPr>
+        <p:txBody>
+          <a:bodyPr anchor="ctr"/>
+          <a:lstStyle/>
+          <a:p>
+            <a:pPr fontAlgn="auto">
+              <a:spcBef>
+                <a:spcPts val="0"/>
+              </a:spcBef>
+              <a:spcAft>
+                <a:spcPts val="0"/>
+              </a:spcAft>
+              <a:defRPr/>
+            </a:pPr>
+            <a:r>
+              <a:rPr lang="en-US" altLang="ko-KR" sz="1000" b="0" dirty="0">
+                <a:solidFill>
+                  <a:schemeClr val="tx1"/>
+                </a:solidFill>
+                <a:latin typeface="나눔고딕" panose="020D0604000000000000" pitchFamily="50" charset="-127"/>
+                <a:ea typeface="나눔고딕" panose="020D0604000000000000" pitchFamily="50" charset="-127"/>
+              </a:rPr>
+              <a:t>N</a:t>
+            </a:r>
+            <a:endParaRPr lang="ko-KR" altLang="en-US" sz="1000" b="0" dirty="0">
+              <a:solidFill>
+                <a:schemeClr val="tx1"/>
+              </a:solidFill>
+              <a:latin typeface="나눔고딕" panose="020D0604000000000000" pitchFamily="50" charset="-127"/>
+              <a:ea typeface="나눔고딕" panose="020D0604000000000000" pitchFamily="50" charset="-127"/>
+            </a:endParaRPr>
+          </a:p>
+        </p:txBody>
+      </p:sp>
+      <p:sp>
+        <p:nvSpPr>
+          <p:cNvPr id="3" name="제목 2">
+            <a:extLst>
+              <a:ext uri="{FF2B5EF4-FFF2-40B4-BE49-F238E27FC236}">
+                <a16:creationId xmlns:a16="http://schemas.microsoft.com/office/drawing/2014/main" id="{83390BF3-2F84-4D48-8126-787C42E41FD1}"/>
+              </a:ext>
+            </a:extLst>
+          </p:cNvPr>
+          <p:cNvSpPr>
+            <a:spLocks noGrp="1"/>
+          </p:cNvSpPr>
+          <p:nvPr>
+            <p:ph type="title"/>
+          </p:nvPr>
+        </p:nvSpPr>
+        <p:spPr/>
+        <p:txBody>
+          <a:bodyPr/>
+          <a:lstStyle/>
+          <a:p>
+            <a:r>
+              <a:rPr lang="ko-KR" altLang="en-US" dirty="0"/>
+              <a:t>예시</a:t>
+            </a:r>
+          </a:p>
+        </p:txBody>
+      </p:sp>
+      <p:sp>
+        <p:nvSpPr>
+          <p:cNvPr id="2" name="TextBox 1">
+            <a:extLst>
+              <a:ext uri="{FF2B5EF4-FFF2-40B4-BE49-F238E27FC236}">
+                <a16:creationId xmlns:a16="http://schemas.microsoft.com/office/drawing/2014/main" id="{F3180177-85E0-44C2-896E-8A4585471E4E}"/>
+              </a:ext>
+            </a:extLst>
+          </p:cNvPr>
+          <p:cNvSpPr txBox="1"/>
+          <p:nvPr/>
+        </p:nvSpPr>
+        <p:spPr bwMode="auto">
+          <a:xfrm>
+            <a:off x="9601220" y="663512"/>
+            <a:ext cx="2493318" cy="2862322"/>
+          </a:xfrm>
+          <a:prstGeom prst="rect">
+            <a:avLst/>
+          </a:prstGeom>
+          <a:noFill/>
+          <a:ln w="9525">
+            <a:noFill/>
+            <a:miter lim="800000"/>
+            <a:headEnd/>
+            <a:tailEnd/>
+          </a:ln>
+          <a:effectLst/>
+        </p:spPr>
+        <p:txBody>
+          <a:bodyPr wrap="square" rtlCol="0">
+            <a:spAutoFit/>
+          </a:bodyPr>
+          <a:lstStyle/>
+          <a:p>
+            <a:pPr algn="l"/>
+            <a:r>
+              <a:rPr lang="ko-KR" altLang="en-US" sz="1000" dirty="0">
+                <a:latin typeface="맑은 고딕" pitchFamily="50" charset="-127"/>
+                <a:ea typeface="맑은 고딕" pitchFamily="50" charset="-127"/>
+              </a:rPr>
+              <a:t>설명</a:t>
+            </a:r>
+            <a:endParaRPr lang="en-US" altLang="ko-KR" sz="1000" dirty="0">
+              <a:latin typeface="맑은 고딕" pitchFamily="50" charset="-127"/>
+              <a:ea typeface="맑은 고딕" pitchFamily="50" charset="-127"/>
+            </a:endParaRPr>
+          </a:p>
+          <a:p>
+            <a:pPr algn="l"/>
+            <a:r>
+              <a:rPr lang="en-US" altLang="ko-KR" sz="1000" b="0" dirty="0">
+                <a:latin typeface="맑은 고딕" pitchFamily="50" charset="-127"/>
+                <a:ea typeface="맑은 고딕" pitchFamily="50" charset="-127"/>
+              </a:rPr>
+              <a:t> </a:t>
+            </a:r>
+            <a:r>
+              <a:rPr lang="ko-KR" altLang="en-US" sz="1000" b="0" dirty="0">
+                <a:latin typeface="맑은 고딕" pitchFamily="50" charset="-127"/>
+                <a:ea typeface="맑은 고딕" pitchFamily="50" charset="-127"/>
+              </a:rPr>
+              <a:t>관리자가 게시판을 관리합니</a:t>
+            </a:r>
+            <a:r>
+              <a:rPr lang="ko-KR" altLang="en-US" sz="1000" dirty="0">
+                <a:latin typeface="맑은 고딕" pitchFamily="50" charset="-127"/>
+                <a:ea typeface="맑은 고딕" pitchFamily="50" charset="-127"/>
+              </a:rPr>
+              <a:t>다</a:t>
+            </a:r>
+            <a:r>
+              <a:rPr lang="en-US" altLang="ko-KR" sz="1000" dirty="0">
+                <a:latin typeface="맑은 고딕" pitchFamily="50" charset="-127"/>
+                <a:ea typeface="맑은 고딕" pitchFamily="50" charset="-127"/>
+              </a:rPr>
+              <a:t>.</a:t>
+            </a:r>
+          </a:p>
+          <a:p>
+            <a:pPr algn="l"/>
+            <a:endParaRPr lang="en-US" altLang="ko-KR" sz="1000" b="0" dirty="0">
+              <a:latin typeface="맑은 고딕" pitchFamily="50" charset="-127"/>
+              <a:ea typeface="맑은 고딕" pitchFamily="50" charset="-127"/>
+            </a:endParaRPr>
+          </a:p>
+          <a:p>
+            <a:pPr algn="l"/>
+            <a:endParaRPr lang="en-US" altLang="ko-KR" sz="1000" b="0" dirty="0">
+              <a:latin typeface="맑은 고딕" pitchFamily="50" charset="-127"/>
+              <a:ea typeface="맑은 고딕" pitchFamily="50" charset="-127"/>
+            </a:endParaRPr>
+          </a:p>
+          <a:p>
+            <a:pPr marL="228600" indent="-228600" algn="l">
+              <a:buAutoNum type="arabicPeriod"/>
+            </a:pPr>
+            <a:r>
+              <a:rPr lang="ko-KR" altLang="en-US" sz="1000" dirty="0">
+                <a:latin typeface="맑은 고딕" pitchFamily="50" charset="-127"/>
+                <a:ea typeface="맑은 고딕" pitchFamily="50" charset="-127"/>
+              </a:rPr>
+              <a:t>운영자 권한이 부여된 계정을 조회합니다</a:t>
+            </a:r>
+            <a:r>
+              <a:rPr lang="en-US" altLang="ko-KR" sz="1000" dirty="0">
+                <a:latin typeface="맑은 고딕" pitchFamily="50" charset="-127"/>
+                <a:ea typeface="맑은 고딕" pitchFamily="50" charset="-127"/>
+              </a:rPr>
+              <a:t>.</a:t>
+            </a:r>
+          </a:p>
+          <a:p>
+            <a:pPr marL="228600" indent="-228600" algn="l">
+              <a:buAutoNum type="arabicPeriod"/>
+            </a:pPr>
+            <a:r>
+              <a:rPr lang="ko-KR" altLang="en-US" sz="1000" dirty="0">
+                <a:latin typeface="맑은 고딕" pitchFamily="50" charset="-127"/>
+                <a:ea typeface="맑은 고딕" pitchFamily="50" charset="-127"/>
+              </a:rPr>
+              <a:t>버튼을 클릭하면 해당 계정의 권한이 내려갑니다</a:t>
+            </a:r>
+            <a:r>
+              <a:rPr lang="en-US" altLang="ko-KR" sz="1000" dirty="0">
+                <a:latin typeface="맑은 고딕" pitchFamily="50" charset="-127"/>
+                <a:ea typeface="맑은 고딕" pitchFamily="50" charset="-127"/>
+              </a:rPr>
+              <a:t>.</a:t>
+            </a:r>
+          </a:p>
+          <a:p>
+            <a:pPr marL="228600" indent="-228600" algn="l">
+              <a:buAutoNum type="arabicPeriod"/>
+            </a:pPr>
+            <a:r>
+              <a:rPr lang="ko-KR" altLang="en-US" sz="1000" dirty="0">
+                <a:latin typeface="맑은 고딕" pitchFamily="50" charset="-127"/>
+                <a:ea typeface="맑은 고딕" pitchFamily="50" charset="-127"/>
+              </a:rPr>
+              <a:t>회원관리 페이지의 회원관리와 같은 동작을 수행합니다</a:t>
+            </a:r>
+            <a:r>
+              <a:rPr lang="en-US" altLang="ko-KR" sz="1000" dirty="0">
+                <a:latin typeface="맑은 고딕" pitchFamily="50" charset="-127"/>
+                <a:ea typeface="맑은 고딕" pitchFamily="50" charset="-127"/>
+              </a:rPr>
+              <a:t>.</a:t>
+            </a:r>
+            <a:br>
+              <a:rPr lang="en-US" altLang="ko-KR" sz="1000" dirty="0">
+                <a:latin typeface="맑은 고딕" pitchFamily="50" charset="-127"/>
+                <a:ea typeface="맑은 고딕" pitchFamily="50" charset="-127"/>
+              </a:rPr>
+            </a:br>
+            <a:r>
+              <a:rPr lang="ko-KR" altLang="en-US" sz="1000" dirty="0">
+                <a:latin typeface="맑은 고딕" pitchFamily="50" charset="-127"/>
+                <a:ea typeface="맑은 고딕" pitchFamily="50" charset="-127"/>
+              </a:rPr>
+              <a:t>체크박스를 클릭하고 권한 부여 버튼을 클릭할 시 체크된 계정의 권한이 운영자로 수정됩니다</a:t>
+            </a:r>
+            <a:r>
+              <a:rPr lang="en-US" altLang="ko-KR" sz="1000" dirty="0">
+                <a:latin typeface="맑은 고딕" pitchFamily="50" charset="-127"/>
+                <a:ea typeface="맑은 고딕" pitchFamily="50" charset="-127"/>
+              </a:rPr>
+              <a:t>.</a:t>
+            </a:r>
+          </a:p>
+          <a:p>
+            <a:pPr marL="228600" indent="-228600" algn="l">
+              <a:buAutoNum type="arabicPeriod"/>
+            </a:pPr>
+            <a:endParaRPr lang="en-US" altLang="ko-KR" sz="1000" dirty="0">
+              <a:latin typeface="맑은 고딕" pitchFamily="50" charset="-127"/>
+              <a:ea typeface="맑은 고딕" pitchFamily="50" charset="-127"/>
+            </a:endParaRPr>
+          </a:p>
+          <a:p>
+            <a:pPr marL="228600" indent="-228600" algn="l">
+              <a:buAutoNum type="arabicPeriod"/>
+            </a:pPr>
+            <a:endParaRPr lang="en-US" altLang="ko-KR" sz="1000" dirty="0">
+              <a:latin typeface="맑은 고딕" pitchFamily="50" charset="-127"/>
+              <a:ea typeface="맑은 고딕" pitchFamily="50" charset="-127"/>
+            </a:endParaRPr>
+          </a:p>
+          <a:p>
+            <a:pPr marL="228600" indent="-228600" algn="l">
+              <a:buAutoNum type="arabicPeriod"/>
+            </a:pPr>
+            <a:endParaRPr lang="en-US" altLang="ko-KR" sz="1000" dirty="0">
+              <a:latin typeface="맑은 고딕" pitchFamily="50" charset="-127"/>
+              <a:ea typeface="맑은 고딕" pitchFamily="50" charset="-127"/>
+            </a:endParaRPr>
+          </a:p>
+          <a:p>
+            <a:pPr marL="228600" indent="-228600" algn="l">
+              <a:buAutoNum type="arabicPeriod"/>
+            </a:pPr>
+            <a:endParaRPr lang="en-US" altLang="ko-KR" sz="1000" dirty="0">
+              <a:latin typeface="맑은 고딕" pitchFamily="50" charset="-127"/>
+              <a:ea typeface="맑은 고딕" pitchFamily="50" charset="-127"/>
+            </a:endParaRPr>
+          </a:p>
+          <a:p>
+            <a:pPr marL="87313" indent="-87313" algn="l">
+              <a:buFont typeface="Arial" panose="020B0604020202020204" pitchFamily="34" charset="0"/>
+              <a:buChar char="•"/>
+            </a:pPr>
+            <a:endParaRPr lang="ko-KR" altLang="en-US" sz="1000" b="0" dirty="0">
+              <a:latin typeface="맑은 고딕" pitchFamily="50" charset="-127"/>
+              <a:ea typeface="맑은 고딕" pitchFamily="50" charset="-127"/>
+            </a:endParaRPr>
+          </a:p>
+        </p:txBody>
+      </p:sp>
+      <p:sp>
+        <p:nvSpPr>
+          <p:cNvPr id="25" name="TextBox 24">
+            <a:extLst>
+              <a:ext uri="{FF2B5EF4-FFF2-40B4-BE49-F238E27FC236}">
+                <a16:creationId xmlns:a16="http://schemas.microsoft.com/office/drawing/2014/main" id="{84E4988F-3642-4D0A-96C6-E3DF7C2BF12B}"/>
+              </a:ext>
+            </a:extLst>
+          </p:cNvPr>
+          <p:cNvSpPr txBox="1"/>
+          <p:nvPr/>
+        </p:nvSpPr>
+        <p:spPr bwMode="auto">
+          <a:xfrm>
+            <a:off x="99084" y="397735"/>
+            <a:ext cx="3088729" cy="276999"/>
+          </a:xfrm>
+          <a:prstGeom prst="rect">
+            <a:avLst/>
+          </a:prstGeom>
+          <a:noFill/>
+          <a:ln w="9525">
+            <a:noFill/>
+            <a:miter lim="800000"/>
+            <a:headEnd/>
+            <a:tailEnd/>
+          </a:ln>
+          <a:effectLst/>
+        </p:spPr>
+        <p:txBody>
+          <a:bodyPr wrap="square" rtlCol="0">
+            <a:spAutoFit/>
+          </a:bodyPr>
+          <a:lstStyle/>
+          <a:p>
+            <a:pPr algn="l"/>
+            <a:r>
+              <a:rPr lang="ko-KR" altLang="en-US" sz="1200" dirty="0">
+                <a:latin typeface="+mn-lt"/>
+                <a:ea typeface="KoPubWorld돋움체 Bold" panose="00000800000000000000" pitchFamily="2" charset="-127"/>
+                <a:cs typeface="KoPubWorld돋움체 Bold" panose="00000800000000000000" pitchFamily="2" charset="-127"/>
+              </a:rPr>
+              <a:t>관리자 </a:t>
+            </a:r>
+            <a:r>
+              <a:rPr lang="en-US" altLang="ko-KR" sz="1200" dirty="0">
+                <a:latin typeface="+mn-lt"/>
+                <a:ea typeface="KoPubWorld돋움체 Bold" panose="00000800000000000000" pitchFamily="2" charset="-127"/>
+                <a:cs typeface="KoPubWorld돋움체 Bold" panose="00000800000000000000" pitchFamily="2" charset="-127"/>
+              </a:rPr>
+              <a:t>5. </a:t>
+            </a:r>
+            <a:r>
+              <a:rPr lang="ko-KR" altLang="en-US" sz="1200" dirty="0">
+                <a:ea typeface="KoPubWorld돋움체 Bold" panose="00000800000000000000" pitchFamily="2" charset="-127"/>
+                <a:cs typeface="KoPubWorld돋움체 Bold" panose="00000800000000000000" pitchFamily="2" charset="-127"/>
+              </a:rPr>
+              <a:t>게시판 로그 조회 페이지</a:t>
+            </a:r>
+            <a:endParaRPr lang="ko-KR" altLang="en-US" sz="1200" dirty="0">
+              <a:latin typeface="+mn-lt"/>
+              <a:ea typeface="KoPubWorld돋움체 Bold" panose="00000800000000000000" pitchFamily="2" charset="-127"/>
+              <a:cs typeface="KoPubWorld돋움체 Bold" panose="00000800000000000000" pitchFamily="2" charset="-127"/>
+            </a:endParaRPr>
+          </a:p>
+        </p:txBody>
+      </p:sp>
+      <p:cxnSp>
+        <p:nvCxnSpPr>
+          <p:cNvPr id="26" name="직선 연결선 25">
+            <a:extLst>
+              <a:ext uri="{FF2B5EF4-FFF2-40B4-BE49-F238E27FC236}">
+                <a16:creationId xmlns:a16="http://schemas.microsoft.com/office/drawing/2014/main" id="{5C26D24A-BC02-4A66-A43F-9B47F7CC6FB4}"/>
+              </a:ext>
+            </a:extLst>
+          </p:cNvPr>
+          <p:cNvCxnSpPr>
+            <a:cxnSpLocks/>
+          </p:cNvCxnSpPr>
+          <p:nvPr/>
+        </p:nvCxnSpPr>
+        <p:spPr>
+          <a:xfrm>
+            <a:off x="169813" y="674734"/>
+            <a:ext cx="9288282" cy="0"/>
+          </a:xfrm>
+          <a:prstGeom prst="line">
+            <a:avLst/>
+          </a:prstGeom>
+          <a:ln w="19050">
+            <a:solidFill>
+              <a:schemeClr val="tx1">
+                <a:lumMod val="95000"/>
+                <a:lumOff val="5000"/>
+              </a:schemeClr>
+            </a:solidFill>
+          </a:ln>
+        </p:spPr>
+        <p:style>
+          <a:lnRef idx="1">
+            <a:schemeClr val="accent1"/>
+          </a:lnRef>
+          <a:fillRef idx="0">
+            <a:schemeClr val="accent1"/>
+          </a:fillRef>
+          <a:effectRef idx="0">
+            <a:schemeClr val="accent1"/>
+          </a:effectRef>
+          <a:fontRef idx="minor">
+            <a:schemeClr val="tx1"/>
+          </a:fontRef>
+        </p:style>
+      </p:cxnSp>
+      <p:sp>
+        <p:nvSpPr>
+          <p:cNvPr id="7" name="텍스트 개체 틀 6">
+            <a:extLst>
+              <a:ext uri="{FF2B5EF4-FFF2-40B4-BE49-F238E27FC236}">
+                <a16:creationId xmlns:a16="http://schemas.microsoft.com/office/drawing/2014/main" id="{E8F109D7-8B27-48DB-A603-4D2B0EF0ED93}"/>
+              </a:ext>
+            </a:extLst>
+          </p:cNvPr>
+          <p:cNvSpPr>
+            <a:spLocks noGrp="1"/>
+          </p:cNvSpPr>
+          <p:nvPr>
+            <p:ph type="body" sz="quarter" idx="10"/>
+          </p:nvPr>
+        </p:nvSpPr>
+        <p:spPr/>
+        <p:txBody>
+          <a:bodyPr/>
+          <a:lstStyle/>
+          <a:p>
+            <a:r>
+              <a:rPr lang="en-US" altLang="ko-KR" dirty="0"/>
+              <a:t> </a:t>
+            </a:r>
+            <a:endParaRPr lang="ko-KR" altLang="en-US" dirty="0"/>
+          </a:p>
+        </p:txBody>
+      </p:sp>
+      <p:sp>
+        <p:nvSpPr>
+          <p:cNvPr id="4" name="직사각형 3">
+            <a:extLst>
+              <a:ext uri="{FF2B5EF4-FFF2-40B4-BE49-F238E27FC236}">
+                <a16:creationId xmlns:a16="http://schemas.microsoft.com/office/drawing/2014/main" id="{ED248A89-2966-7D40-BA13-319FD2CE126C}"/>
+              </a:ext>
+            </a:extLst>
+          </p:cNvPr>
+          <p:cNvSpPr/>
+          <p:nvPr/>
+        </p:nvSpPr>
+        <p:spPr>
+          <a:xfrm>
+            <a:off x="1643449" y="80319"/>
+            <a:ext cx="698156" cy="180329"/>
+          </a:xfrm>
+          <a:prstGeom prst="rect">
+            <a:avLst/>
+          </a:prstGeom>
+          <a:ln>
+            <a:solidFill>
+              <a:schemeClr val="bg1"/>
+            </a:solidFill>
+          </a:ln>
+        </p:spPr>
+        <p:style>
+          <a:lnRef idx="2">
+            <a:schemeClr val="dk1"/>
+          </a:lnRef>
+          <a:fillRef idx="1">
+            <a:schemeClr val="lt1"/>
+          </a:fillRef>
+          <a:effectRef idx="0">
+            <a:schemeClr val="dk1"/>
+          </a:effectRef>
+          <a:fontRef idx="minor">
+            <a:schemeClr val="dk1"/>
+          </a:fontRef>
+        </p:style>
+        <p:txBody>
+          <a:bodyPr rtlCol="0" anchor="ctr"/>
+          <a:lstStyle/>
+          <a:p>
+            <a:pPr algn="ctr"/>
+            <a:endParaRPr lang="ko-KR" altLang="en-US"/>
+          </a:p>
+        </p:txBody>
+      </p:sp>
+      <p:sp>
+        <p:nvSpPr>
+          <p:cNvPr id="6" name="TextBox 5">
+            <a:extLst>
+              <a:ext uri="{FF2B5EF4-FFF2-40B4-BE49-F238E27FC236}">
+                <a16:creationId xmlns:a16="http://schemas.microsoft.com/office/drawing/2014/main" id="{491C4DBA-4FA4-E25B-C9B9-9B7CF66571E4}"/>
+              </a:ext>
+            </a:extLst>
+          </p:cNvPr>
+          <p:cNvSpPr txBox="1"/>
+          <p:nvPr/>
+        </p:nvSpPr>
+        <p:spPr>
+          <a:xfrm>
+            <a:off x="1419934" y="-5317"/>
+            <a:ext cx="1145185" cy="276999"/>
+          </a:xfrm>
+          <a:prstGeom prst="rect">
+            <a:avLst/>
+          </a:prstGeom>
+          <a:noFill/>
+        </p:spPr>
+        <p:txBody>
+          <a:bodyPr wrap="none" rtlCol="0">
+            <a:spAutoFit/>
+          </a:bodyPr>
+          <a:lstStyle/>
+          <a:p>
+            <a:r>
+              <a:rPr lang="ko-KR" altLang="en-US" sz="1200" dirty="0"/>
+              <a:t>게시판 </a:t>
+            </a:r>
+            <a:r>
+              <a:rPr lang="en-US" altLang="ko-KR" sz="1200" dirty="0"/>
+              <a:t>A to Z</a:t>
+            </a:r>
+            <a:endParaRPr lang="ko-KR" altLang="en-US" sz="1200" dirty="0"/>
+          </a:p>
+        </p:txBody>
+      </p:sp>
+      <p:sp>
+        <p:nvSpPr>
+          <p:cNvPr id="10" name="직사각형 9">
+            <a:extLst>
+              <a:ext uri="{FF2B5EF4-FFF2-40B4-BE49-F238E27FC236}">
+                <a16:creationId xmlns:a16="http://schemas.microsoft.com/office/drawing/2014/main" id="{0ECCB857-DE5B-FBB3-2E3F-3D5AF10FDF64}"/>
+              </a:ext>
+            </a:extLst>
+          </p:cNvPr>
+          <p:cNvSpPr/>
+          <p:nvPr/>
+        </p:nvSpPr>
+        <p:spPr>
+          <a:xfrm>
+            <a:off x="169811" y="908223"/>
+            <a:ext cx="1862875" cy="5665552"/>
+          </a:xfrm>
+          <a:prstGeom prst="rect">
+            <a:avLst/>
+          </a:prstGeom>
+        </p:spPr>
+        <p:style>
+          <a:lnRef idx="2">
+            <a:schemeClr val="accent1">
+              <a:shade val="50000"/>
+            </a:schemeClr>
+          </a:lnRef>
+          <a:fillRef idx="1">
+            <a:schemeClr val="accent1"/>
+          </a:fillRef>
+          <a:effectRef idx="0">
+            <a:schemeClr val="accent1"/>
+          </a:effectRef>
+          <a:fontRef idx="minor">
+            <a:schemeClr val="lt1"/>
+          </a:fontRef>
+        </p:style>
+        <p:txBody>
+          <a:bodyPr rtlCol="0" anchor="ctr"/>
+          <a:lstStyle/>
+          <a:p>
+            <a:pPr algn="ctr"/>
+            <a:endParaRPr lang="ko-KR" altLang="en-US" dirty="0"/>
+          </a:p>
+        </p:txBody>
+      </p:sp>
+      <p:sp>
+        <p:nvSpPr>
+          <p:cNvPr id="11" name="TextBox 10">
+            <a:extLst>
+              <a:ext uri="{FF2B5EF4-FFF2-40B4-BE49-F238E27FC236}">
+                <a16:creationId xmlns:a16="http://schemas.microsoft.com/office/drawing/2014/main" id="{7DB8C12B-4947-F9C4-B147-7B0232AAD6DC}"/>
+              </a:ext>
+            </a:extLst>
+          </p:cNvPr>
+          <p:cNvSpPr txBox="1"/>
+          <p:nvPr/>
+        </p:nvSpPr>
+        <p:spPr>
+          <a:xfrm>
+            <a:off x="992036" y="2052592"/>
+            <a:ext cx="877163" cy="369332"/>
+          </a:xfrm>
+          <a:prstGeom prst="rect">
+            <a:avLst/>
+          </a:prstGeom>
+          <a:noFill/>
+        </p:spPr>
+        <p:txBody>
+          <a:bodyPr wrap="none" rtlCol="0">
+            <a:spAutoFit/>
+          </a:bodyPr>
+          <a:lstStyle/>
+          <a:p>
+            <a:r>
+              <a:rPr lang="ko-KR" altLang="en-US" dirty="0"/>
+              <a:t>관리자</a:t>
+            </a:r>
+          </a:p>
+        </p:txBody>
+      </p:sp>
+      <p:sp>
+        <p:nvSpPr>
+          <p:cNvPr id="12" name="타원 11">
+            <a:extLst>
+              <a:ext uri="{FF2B5EF4-FFF2-40B4-BE49-F238E27FC236}">
+                <a16:creationId xmlns:a16="http://schemas.microsoft.com/office/drawing/2014/main" id="{6602D1E5-A173-9001-9324-2EC2CA3FBD81}"/>
+              </a:ext>
+            </a:extLst>
+          </p:cNvPr>
+          <p:cNvSpPr/>
+          <p:nvPr/>
+        </p:nvSpPr>
+        <p:spPr>
+          <a:xfrm>
+            <a:off x="292701" y="1922188"/>
+            <a:ext cx="699333" cy="668713"/>
+          </a:xfrm>
+          <a:prstGeom prst="ellipse">
+            <a:avLst/>
+          </a:prstGeom>
+        </p:spPr>
+        <p:style>
+          <a:lnRef idx="2">
+            <a:schemeClr val="accent6">
+              <a:shade val="50000"/>
+            </a:schemeClr>
+          </a:lnRef>
+          <a:fillRef idx="1">
+            <a:schemeClr val="accent6"/>
+          </a:fillRef>
+          <a:effectRef idx="0">
+            <a:schemeClr val="accent6"/>
+          </a:effectRef>
+          <a:fontRef idx="minor">
+            <a:schemeClr val="lt1"/>
+          </a:fontRef>
+        </p:style>
+        <p:txBody>
+          <a:bodyPr rtlCol="0" anchor="ctr"/>
+          <a:lstStyle/>
+          <a:p>
+            <a:pPr algn="ctr"/>
+            <a:r>
+              <a:rPr lang="ko-KR" altLang="en-US" sz="800" dirty="0"/>
+              <a:t>프로필</a:t>
+            </a:r>
+          </a:p>
+        </p:txBody>
+      </p:sp>
+      <p:sp>
+        <p:nvSpPr>
+          <p:cNvPr id="8" name="모서리가 둥근 직사각형 7">
+            <a:extLst>
+              <a:ext uri="{FF2B5EF4-FFF2-40B4-BE49-F238E27FC236}">
+                <a16:creationId xmlns:a16="http://schemas.microsoft.com/office/drawing/2014/main" id="{019E0522-C23B-B642-8130-A4249EB5C953}"/>
+              </a:ext>
+            </a:extLst>
+          </p:cNvPr>
+          <p:cNvSpPr/>
+          <p:nvPr/>
+        </p:nvSpPr>
+        <p:spPr>
+          <a:xfrm>
+            <a:off x="1173123" y="2692804"/>
+            <a:ext cx="769389" cy="278780"/>
+          </a:xfrm>
+          <a:prstGeom prst="roundRect">
+            <a:avLst/>
+          </a:prstGeom>
+          <a:solidFill>
+            <a:schemeClr val="accent2"/>
+          </a:solidFill>
+          <a:ln>
+            <a:solidFill>
+              <a:schemeClr val="bg1"/>
+            </a:solidFill>
+          </a:ln>
+        </p:spPr>
+        <p:style>
+          <a:lnRef idx="2">
+            <a:schemeClr val="accent1">
+              <a:shade val="50000"/>
+            </a:schemeClr>
+          </a:lnRef>
+          <a:fillRef idx="1">
+            <a:schemeClr val="accent1"/>
+          </a:fillRef>
+          <a:effectRef idx="0">
+            <a:schemeClr val="accent1"/>
+          </a:effectRef>
+          <a:fontRef idx="minor">
+            <a:schemeClr val="lt1"/>
+          </a:fontRef>
+        </p:style>
+        <p:txBody>
+          <a:bodyPr rtlCol="0" anchor="ctr"/>
+          <a:lstStyle/>
+          <a:p>
+            <a:pPr algn="ctr"/>
+            <a:r>
+              <a:rPr kumimoji="1" lang="ko-Kore-KR" altLang="en-US" sz="1000" dirty="0"/>
+              <a:t>로그아웃</a:t>
+            </a:r>
+            <a:endParaRPr kumimoji="1" lang="ko-Kore-KR" altLang="en-US" sz="1200" dirty="0"/>
+          </a:p>
+        </p:txBody>
+      </p:sp>
+      <p:sp>
+        <p:nvSpPr>
+          <p:cNvPr id="18" name="모서리가 둥근 직사각형 17">
+            <a:extLst>
+              <a:ext uri="{FF2B5EF4-FFF2-40B4-BE49-F238E27FC236}">
+                <a16:creationId xmlns:a16="http://schemas.microsoft.com/office/drawing/2014/main" id="{93C97CB6-14BF-9544-BC57-0ADCD684568A}"/>
+              </a:ext>
+            </a:extLst>
+          </p:cNvPr>
+          <p:cNvSpPr/>
+          <p:nvPr/>
+        </p:nvSpPr>
+        <p:spPr>
+          <a:xfrm>
+            <a:off x="223385" y="2692804"/>
+            <a:ext cx="877163" cy="278780"/>
+          </a:xfrm>
+          <a:prstGeom prst="roundRect">
+            <a:avLst/>
+          </a:prstGeom>
+          <a:solidFill>
+            <a:schemeClr val="accent2"/>
+          </a:solidFill>
+          <a:ln>
+            <a:solidFill>
+              <a:schemeClr val="bg1"/>
+            </a:solidFill>
+          </a:ln>
+        </p:spPr>
+        <p:style>
+          <a:lnRef idx="2">
+            <a:schemeClr val="accent1">
+              <a:shade val="50000"/>
+            </a:schemeClr>
+          </a:lnRef>
+          <a:fillRef idx="1">
+            <a:schemeClr val="accent1"/>
+          </a:fillRef>
+          <a:effectRef idx="0">
+            <a:schemeClr val="accent1"/>
+          </a:effectRef>
+          <a:fontRef idx="minor">
+            <a:schemeClr val="lt1"/>
+          </a:fontRef>
+        </p:style>
+        <p:txBody>
+          <a:bodyPr rtlCol="0" anchor="ctr"/>
+          <a:lstStyle/>
+          <a:p>
+            <a:pPr algn="ctr"/>
+            <a:r>
+              <a:rPr kumimoji="1" lang="ko-Kore-KR" altLang="en-US" sz="1050" dirty="0"/>
+              <a:t>마이페이지</a:t>
+            </a:r>
+          </a:p>
+        </p:txBody>
+      </p:sp>
+      <p:sp>
+        <p:nvSpPr>
+          <p:cNvPr id="14" name="모서리가 둥근 직사각형 13">
+            <a:extLst>
+              <a:ext uri="{FF2B5EF4-FFF2-40B4-BE49-F238E27FC236}">
+                <a16:creationId xmlns:a16="http://schemas.microsoft.com/office/drawing/2014/main" id="{25E2AF80-729D-9348-A25A-69C74E86B7B9}"/>
+              </a:ext>
+            </a:extLst>
+          </p:cNvPr>
+          <p:cNvSpPr/>
+          <p:nvPr/>
+        </p:nvSpPr>
+        <p:spPr>
+          <a:xfrm>
+            <a:off x="412595" y="1076442"/>
+            <a:ext cx="1275517" cy="663148"/>
+          </a:xfrm>
+          <a:prstGeom prst="roundRect">
+            <a:avLst/>
+          </a:prstGeom>
+          <a:solidFill>
+            <a:schemeClr val="accent4"/>
+          </a:solidFill>
+          <a:ln>
+            <a:solidFill>
+              <a:schemeClr val="bg1"/>
+            </a:solidFill>
+          </a:ln>
+        </p:spPr>
+        <p:style>
+          <a:lnRef idx="2">
+            <a:schemeClr val="accent1">
+              <a:shade val="50000"/>
+            </a:schemeClr>
+          </a:lnRef>
+          <a:fillRef idx="1">
+            <a:schemeClr val="accent1"/>
+          </a:fillRef>
+          <a:effectRef idx="0">
+            <a:schemeClr val="accent1"/>
+          </a:effectRef>
+          <a:fontRef idx="minor">
+            <a:schemeClr val="lt1"/>
+          </a:fontRef>
+        </p:style>
+        <p:txBody>
+          <a:bodyPr rtlCol="0" anchor="ctr"/>
+          <a:lstStyle/>
+          <a:p>
+            <a:pPr algn="ctr"/>
+            <a:r>
+              <a:rPr kumimoji="1" lang="ko-KR" altLang="en-US" dirty="0"/>
+              <a:t>로고</a:t>
+            </a:r>
+            <a:endParaRPr kumimoji="1" lang="ko-Kore-KR" altLang="en-US" dirty="0"/>
+          </a:p>
+        </p:txBody>
+      </p:sp>
+      <p:sp>
+        <p:nvSpPr>
+          <p:cNvPr id="21" name="모서리가 둥근 직사각형 20">
+            <a:extLst>
+              <a:ext uri="{FF2B5EF4-FFF2-40B4-BE49-F238E27FC236}">
+                <a16:creationId xmlns:a16="http://schemas.microsoft.com/office/drawing/2014/main" id="{37D16A05-A062-2142-A90F-A9D333496BE4}"/>
+              </a:ext>
+            </a:extLst>
+          </p:cNvPr>
+          <p:cNvSpPr/>
+          <p:nvPr/>
+        </p:nvSpPr>
+        <p:spPr>
+          <a:xfrm>
+            <a:off x="312299" y="3933160"/>
+            <a:ext cx="1576497" cy="215769"/>
+          </a:xfrm>
+          <a:prstGeom prst="roundRect">
+            <a:avLst/>
+          </a:prstGeom>
+          <a:solidFill>
+            <a:srgbClr val="92D050"/>
+          </a:solidFill>
+          <a:ln>
+            <a:solidFill>
+              <a:schemeClr val="bg1"/>
+            </a:solidFill>
+          </a:ln>
+        </p:spPr>
+        <p:style>
+          <a:lnRef idx="2">
+            <a:schemeClr val="accent1">
+              <a:shade val="50000"/>
+            </a:schemeClr>
+          </a:lnRef>
+          <a:fillRef idx="1">
+            <a:schemeClr val="accent1"/>
+          </a:fillRef>
+          <a:effectRef idx="0">
+            <a:schemeClr val="accent1"/>
+          </a:effectRef>
+          <a:fontRef idx="minor">
+            <a:schemeClr val="lt1"/>
+          </a:fontRef>
+        </p:style>
+        <p:txBody>
+          <a:bodyPr rtlCol="0" anchor="ctr"/>
+          <a:lstStyle/>
+          <a:p>
+            <a:pPr algn="ctr"/>
+            <a:r>
+              <a:rPr kumimoji="1" lang="ko-KR" altLang="en-US" sz="1000" dirty="0"/>
+              <a:t>공지사항</a:t>
+            </a:r>
+            <a:endParaRPr kumimoji="1" lang="ko-Kore-KR" altLang="en-US" sz="1000" dirty="0"/>
+          </a:p>
+        </p:txBody>
+      </p:sp>
+      <p:sp>
+        <p:nvSpPr>
+          <p:cNvPr id="30" name="모서리가 둥근 직사각형 29">
+            <a:extLst>
+              <a:ext uri="{FF2B5EF4-FFF2-40B4-BE49-F238E27FC236}">
+                <a16:creationId xmlns:a16="http://schemas.microsoft.com/office/drawing/2014/main" id="{BF276643-9A22-8A42-B9D7-EF6EE1D94711}"/>
+              </a:ext>
+            </a:extLst>
+          </p:cNvPr>
+          <p:cNvSpPr/>
+          <p:nvPr/>
+        </p:nvSpPr>
+        <p:spPr>
+          <a:xfrm>
+            <a:off x="312299" y="4221329"/>
+            <a:ext cx="1576497" cy="215769"/>
+          </a:xfrm>
+          <a:prstGeom prst="roundRect">
+            <a:avLst/>
+          </a:prstGeom>
+          <a:solidFill>
+            <a:srgbClr val="92D050"/>
+          </a:solidFill>
+          <a:ln>
+            <a:solidFill>
+              <a:schemeClr val="bg1"/>
+            </a:solidFill>
+          </a:ln>
+        </p:spPr>
+        <p:style>
+          <a:lnRef idx="2">
+            <a:schemeClr val="accent1">
+              <a:shade val="50000"/>
+            </a:schemeClr>
+          </a:lnRef>
+          <a:fillRef idx="1">
+            <a:schemeClr val="accent1"/>
+          </a:fillRef>
+          <a:effectRef idx="0">
+            <a:schemeClr val="accent1"/>
+          </a:effectRef>
+          <a:fontRef idx="minor">
+            <a:schemeClr val="lt1"/>
+          </a:fontRef>
+        </p:style>
+        <p:txBody>
+          <a:bodyPr rtlCol="0" anchor="ctr"/>
+          <a:lstStyle/>
+          <a:p>
+            <a:pPr algn="ctr"/>
+            <a:r>
+              <a:rPr kumimoji="1" lang="ko-Kore-KR" altLang="en-US" sz="1000" dirty="0"/>
+              <a:t>자유게시판</a:t>
+            </a:r>
+          </a:p>
+        </p:txBody>
+      </p:sp>
+      <p:sp>
+        <p:nvSpPr>
+          <p:cNvPr id="32" name="모서리가 둥근 직사각형 31">
+            <a:extLst>
+              <a:ext uri="{FF2B5EF4-FFF2-40B4-BE49-F238E27FC236}">
+                <a16:creationId xmlns:a16="http://schemas.microsoft.com/office/drawing/2014/main" id="{159DA14A-08C6-1946-B8E4-F07B1C1C6599}"/>
+              </a:ext>
+            </a:extLst>
+          </p:cNvPr>
+          <p:cNvSpPr/>
+          <p:nvPr/>
+        </p:nvSpPr>
+        <p:spPr>
+          <a:xfrm>
+            <a:off x="312299" y="4500829"/>
+            <a:ext cx="1576497" cy="215769"/>
+          </a:xfrm>
+          <a:prstGeom prst="roundRect">
+            <a:avLst/>
+          </a:prstGeom>
+          <a:solidFill>
+            <a:srgbClr val="92D050"/>
+          </a:solidFill>
+          <a:ln>
+            <a:solidFill>
+              <a:schemeClr val="bg1"/>
+            </a:solidFill>
+          </a:ln>
+        </p:spPr>
+        <p:style>
+          <a:lnRef idx="2">
+            <a:schemeClr val="accent1">
+              <a:shade val="50000"/>
+            </a:schemeClr>
+          </a:lnRef>
+          <a:fillRef idx="1">
+            <a:schemeClr val="accent1"/>
+          </a:fillRef>
+          <a:effectRef idx="0">
+            <a:schemeClr val="accent1"/>
+          </a:effectRef>
+          <a:fontRef idx="minor">
+            <a:schemeClr val="lt1"/>
+          </a:fontRef>
+        </p:style>
+        <p:txBody>
+          <a:bodyPr rtlCol="0" anchor="ctr"/>
+          <a:lstStyle/>
+          <a:p>
+            <a:pPr algn="ctr"/>
+            <a:r>
+              <a:rPr kumimoji="1" lang="ko-Kore-KR" altLang="en-US" sz="1000" dirty="0"/>
+              <a:t>운영자</a:t>
+            </a:r>
+            <a:r>
+              <a:rPr kumimoji="1" lang="ko-KR" altLang="en-US" sz="1000" dirty="0"/>
+              <a:t> 초이스</a:t>
+            </a:r>
+            <a:endParaRPr kumimoji="1" lang="ko-Kore-KR" altLang="en-US" sz="1000" dirty="0"/>
+          </a:p>
+        </p:txBody>
+      </p:sp>
+      <p:sp>
+        <p:nvSpPr>
+          <p:cNvPr id="33" name="모서리가 둥근 직사각형 32">
+            <a:extLst>
+              <a:ext uri="{FF2B5EF4-FFF2-40B4-BE49-F238E27FC236}">
+                <a16:creationId xmlns:a16="http://schemas.microsoft.com/office/drawing/2014/main" id="{C453009D-418E-744B-8104-A24773C30CE6}"/>
+              </a:ext>
+            </a:extLst>
+          </p:cNvPr>
+          <p:cNvSpPr/>
+          <p:nvPr/>
+        </p:nvSpPr>
+        <p:spPr>
+          <a:xfrm>
+            <a:off x="312299" y="4780329"/>
+            <a:ext cx="1576497" cy="215769"/>
+          </a:xfrm>
+          <a:prstGeom prst="roundRect">
+            <a:avLst/>
+          </a:prstGeom>
+          <a:solidFill>
+            <a:schemeClr val="accent2">
+              <a:lumMod val="40000"/>
+              <a:lumOff val="60000"/>
+            </a:schemeClr>
+          </a:solidFill>
+          <a:ln>
+            <a:solidFill>
+              <a:schemeClr val="bg1"/>
+            </a:solidFill>
+          </a:ln>
+        </p:spPr>
+        <p:style>
+          <a:lnRef idx="2">
+            <a:schemeClr val="accent1">
+              <a:shade val="50000"/>
+            </a:schemeClr>
+          </a:lnRef>
+          <a:fillRef idx="1">
+            <a:schemeClr val="accent1"/>
+          </a:fillRef>
+          <a:effectRef idx="0">
+            <a:schemeClr val="accent1"/>
+          </a:effectRef>
+          <a:fontRef idx="minor">
+            <a:schemeClr val="lt1"/>
+          </a:fontRef>
+        </p:style>
+        <p:txBody>
+          <a:bodyPr rtlCol="0" anchor="ctr"/>
+          <a:lstStyle/>
+          <a:p>
+            <a:pPr algn="ctr"/>
+            <a:r>
+              <a:rPr kumimoji="1" lang="en-US" altLang="ko-Kore-KR" sz="1000" dirty="0" err="1"/>
+              <a:t>QnA</a:t>
+            </a:r>
+            <a:endParaRPr kumimoji="1" lang="ko-Kore-KR" altLang="en-US" sz="1000" dirty="0"/>
+          </a:p>
+        </p:txBody>
+      </p:sp>
+      <p:sp>
+        <p:nvSpPr>
+          <p:cNvPr id="34" name="모서리가 둥근 직사각형 33">
+            <a:extLst>
+              <a:ext uri="{FF2B5EF4-FFF2-40B4-BE49-F238E27FC236}">
+                <a16:creationId xmlns:a16="http://schemas.microsoft.com/office/drawing/2014/main" id="{136DFB11-A733-B14D-A8AA-936DADE6CC3B}"/>
+              </a:ext>
+            </a:extLst>
+          </p:cNvPr>
+          <p:cNvSpPr/>
+          <p:nvPr/>
+        </p:nvSpPr>
+        <p:spPr>
+          <a:xfrm>
+            <a:off x="312299" y="5059829"/>
+            <a:ext cx="1576497" cy="215769"/>
+          </a:xfrm>
+          <a:prstGeom prst="roundRect">
+            <a:avLst/>
+          </a:prstGeom>
+          <a:solidFill>
+            <a:schemeClr val="accent2">
+              <a:lumMod val="40000"/>
+              <a:lumOff val="60000"/>
+            </a:schemeClr>
+          </a:solidFill>
+          <a:ln>
+            <a:solidFill>
+              <a:schemeClr val="bg1"/>
+            </a:solidFill>
+          </a:ln>
+        </p:spPr>
+        <p:style>
+          <a:lnRef idx="2">
+            <a:schemeClr val="accent1">
+              <a:shade val="50000"/>
+            </a:schemeClr>
+          </a:lnRef>
+          <a:fillRef idx="1">
+            <a:schemeClr val="accent1"/>
+          </a:fillRef>
+          <a:effectRef idx="0">
+            <a:schemeClr val="accent1"/>
+          </a:effectRef>
+          <a:fontRef idx="minor">
+            <a:schemeClr val="lt1"/>
+          </a:fontRef>
+        </p:style>
+        <p:txBody>
+          <a:bodyPr rtlCol="0" anchor="ctr"/>
+          <a:lstStyle/>
+          <a:p>
+            <a:pPr algn="ctr"/>
+            <a:r>
+              <a:rPr kumimoji="1" lang="ko-Kore-KR" altLang="en-US" sz="1000" dirty="0"/>
+              <a:t>회원</a:t>
+            </a:r>
+            <a:r>
+              <a:rPr kumimoji="1" lang="ko-KR" altLang="en-US" sz="1000" dirty="0"/>
+              <a:t> 관리</a:t>
+            </a:r>
+            <a:endParaRPr kumimoji="1" lang="ko-Kore-KR" altLang="en-US" sz="1000" dirty="0"/>
+          </a:p>
+        </p:txBody>
+      </p:sp>
+      <p:sp>
+        <p:nvSpPr>
+          <p:cNvPr id="35" name="모서리가 둥근 직사각형 34">
+            <a:extLst>
+              <a:ext uri="{FF2B5EF4-FFF2-40B4-BE49-F238E27FC236}">
+                <a16:creationId xmlns:a16="http://schemas.microsoft.com/office/drawing/2014/main" id="{B80CFD55-F222-044B-90A3-5668FD1CFC4F}"/>
+              </a:ext>
+            </a:extLst>
+          </p:cNvPr>
+          <p:cNvSpPr/>
+          <p:nvPr/>
+        </p:nvSpPr>
+        <p:spPr>
+          <a:xfrm>
+            <a:off x="312299" y="5347998"/>
+            <a:ext cx="1576497" cy="215769"/>
+          </a:xfrm>
+          <a:prstGeom prst="roundRect">
+            <a:avLst/>
+          </a:prstGeom>
+          <a:solidFill>
+            <a:schemeClr val="tx2">
+              <a:lumMod val="60000"/>
+              <a:lumOff val="40000"/>
+            </a:schemeClr>
+          </a:solidFill>
+          <a:ln>
+            <a:solidFill>
+              <a:schemeClr val="bg1"/>
+            </a:solidFill>
+          </a:ln>
+        </p:spPr>
+        <p:style>
+          <a:lnRef idx="2">
+            <a:schemeClr val="accent1">
+              <a:shade val="50000"/>
+            </a:schemeClr>
+          </a:lnRef>
+          <a:fillRef idx="1">
+            <a:schemeClr val="accent1"/>
+          </a:fillRef>
+          <a:effectRef idx="0">
+            <a:schemeClr val="accent1"/>
+          </a:effectRef>
+          <a:fontRef idx="minor">
+            <a:schemeClr val="lt1"/>
+          </a:fontRef>
+        </p:style>
+        <p:txBody>
+          <a:bodyPr rtlCol="0" anchor="ctr"/>
+          <a:lstStyle/>
+          <a:p>
+            <a:pPr algn="ctr"/>
+            <a:r>
+              <a:rPr kumimoji="1" lang="ko-Kore-KR" altLang="en-US" sz="1000" dirty="0"/>
+              <a:t>게시판</a:t>
+            </a:r>
+            <a:r>
+              <a:rPr kumimoji="1" lang="ko-KR" altLang="en-US" sz="1000" dirty="0"/>
+              <a:t> 관리</a:t>
+            </a:r>
+            <a:endParaRPr kumimoji="1" lang="ko-Kore-KR" altLang="en-US" sz="1000" dirty="0"/>
+          </a:p>
+        </p:txBody>
+      </p:sp>
+      <p:sp>
+        <p:nvSpPr>
+          <p:cNvPr id="16" name="TextBox 15">
+            <a:extLst>
+              <a:ext uri="{FF2B5EF4-FFF2-40B4-BE49-F238E27FC236}">
+                <a16:creationId xmlns:a16="http://schemas.microsoft.com/office/drawing/2014/main" id="{5DAB8C90-CFE0-9242-AEF5-CE836A3AD92E}"/>
+              </a:ext>
+            </a:extLst>
+          </p:cNvPr>
+          <p:cNvSpPr txBox="1"/>
+          <p:nvPr/>
+        </p:nvSpPr>
+        <p:spPr>
+          <a:xfrm>
+            <a:off x="7711440" y="-1691640"/>
+            <a:ext cx="184731" cy="369332"/>
+          </a:xfrm>
+          <a:prstGeom prst="rect">
+            <a:avLst/>
+          </a:prstGeom>
+          <a:noFill/>
+        </p:spPr>
+        <p:txBody>
+          <a:bodyPr wrap="none" rtlCol="0">
+            <a:spAutoFit/>
+          </a:bodyPr>
+          <a:lstStyle/>
+          <a:p>
+            <a:endParaRPr kumimoji="1" lang="ko-Kore-KR" altLang="en-US" dirty="0"/>
+          </a:p>
+        </p:txBody>
+      </p:sp>
+      <p:sp>
+        <p:nvSpPr>
+          <p:cNvPr id="40" name="모서리가 둥근 직사각형 39">
+            <a:extLst>
+              <a:ext uri="{FF2B5EF4-FFF2-40B4-BE49-F238E27FC236}">
+                <a16:creationId xmlns:a16="http://schemas.microsoft.com/office/drawing/2014/main" id="{1AC3C89C-E7CA-7C43-961C-8D0A4CA409A1}"/>
+              </a:ext>
+            </a:extLst>
+          </p:cNvPr>
+          <p:cNvSpPr/>
+          <p:nvPr/>
+        </p:nvSpPr>
+        <p:spPr>
+          <a:xfrm>
+            <a:off x="312299" y="3653660"/>
+            <a:ext cx="1576497" cy="215769"/>
+          </a:xfrm>
+          <a:prstGeom prst="roundRect">
+            <a:avLst/>
+          </a:prstGeom>
+          <a:solidFill>
+            <a:schemeClr val="bg1"/>
+          </a:solidFill>
+          <a:ln>
+            <a:solidFill>
+              <a:schemeClr val="tx1"/>
+            </a:solidFill>
+          </a:ln>
+        </p:spPr>
+        <p:style>
+          <a:lnRef idx="2">
+            <a:schemeClr val="accent1">
+              <a:shade val="50000"/>
+            </a:schemeClr>
+          </a:lnRef>
+          <a:fillRef idx="1">
+            <a:schemeClr val="accent1"/>
+          </a:fillRef>
+          <a:effectRef idx="0">
+            <a:schemeClr val="accent1"/>
+          </a:effectRef>
+          <a:fontRef idx="minor">
+            <a:schemeClr val="lt1"/>
+          </a:fontRef>
+        </p:style>
+        <p:txBody>
+          <a:bodyPr rtlCol="0" anchor="ctr"/>
+          <a:lstStyle/>
+          <a:p>
+            <a:pPr algn="ctr"/>
+            <a:r>
+              <a:rPr kumimoji="1" lang="ko-KR" altLang="en-US" sz="1000" dirty="0" err="1">
+                <a:solidFill>
+                  <a:schemeClr val="tx1"/>
+                </a:solidFill>
+              </a:rPr>
+              <a:t>검색창</a:t>
+            </a:r>
+            <a:endParaRPr kumimoji="1" lang="ko-Kore-KR" altLang="en-US" sz="1000" dirty="0">
+              <a:solidFill>
+                <a:schemeClr val="tx1"/>
+              </a:solidFill>
+            </a:endParaRPr>
+          </a:p>
+        </p:txBody>
+      </p:sp>
+      <p:sp>
+        <p:nvSpPr>
+          <p:cNvPr id="9" name="사각형: 둥근 모서리 8">
+            <a:extLst>
+              <a:ext uri="{FF2B5EF4-FFF2-40B4-BE49-F238E27FC236}">
+                <a16:creationId xmlns:a16="http://schemas.microsoft.com/office/drawing/2014/main" id="{FECE17F4-1CA0-6BCF-101B-525D2A123D77}"/>
+              </a:ext>
+            </a:extLst>
+          </p:cNvPr>
+          <p:cNvSpPr/>
+          <p:nvPr/>
+        </p:nvSpPr>
+        <p:spPr>
+          <a:xfrm>
+            <a:off x="6802629" y="952878"/>
+            <a:ext cx="1963999" cy="247128"/>
+          </a:xfrm>
+          <a:prstGeom prst="roundRect">
+            <a:avLst/>
+          </a:prstGeom>
+        </p:spPr>
+        <p:style>
+          <a:lnRef idx="2">
+            <a:schemeClr val="dk1"/>
+          </a:lnRef>
+          <a:fillRef idx="1">
+            <a:schemeClr val="lt1"/>
+          </a:fillRef>
+          <a:effectRef idx="0">
+            <a:schemeClr val="dk1"/>
+          </a:effectRef>
+          <a:fontRef idx="minor">
+            <a:schemeClr val="dk1"/>
+          </a:fontRef>
+        </p:style>
+        <p:txBody>
+          <a:bodyPr rtlCol="0" anchor="ctr"/>
+          <a:lstStyle/>
+          <a:p>
+            <a:pPr algn="ctr"/>
+            <a:r>
+              <a:rPr lang="ko-KR" altLang="en-US" dirty="0">
+                <a:solidFill>
+                  <a:schemeClr val="bg1">
+                    <a:lumMod val="65000"/>
+                  </a:schemeClr>
+                </a:solidFill>
+              </a:rPr>
+              <a:t>게시판 선택</a:t>
+            </a:r>
+          </a:p>
+        </p:txBody>
+      </p:sp>
+      <p:sp>
+        <p:nvSpPr>
+          <p:cNvPr id="13" name="TextBox 12">
+            <a:extLst>
+              <a:ext uri="{FF2B5EF4-FFF2-40B4-BE49-F238E27FC236}">
+                <a16:creationId xmlns:a16="http://schemas.microsoft.com/office/drawing/2014/main" id="{1E1B0810-3282-97AB-BAA8-3DD8C2D2BCDF}"/>
+              </a:ext>
+            </a:extLst>
+          </p:cNvPr>
+          <p:cNvSpPr txBox="1"/>
+          <p:nvPr/>
+        </p:nvSpPr>
+        <p:spPr>
+          <a:xfrm>
+            <a:off x="2220638" y="908223"/>
+            <a:ext cx="1963999" cy="369332"/>
+          </a:xfrm>
+          <a:prstGeom prst="rect">
+            <a:avLst/>
+          </a:prstGeom>
+          <a:noFill/>
+        </p:spPr>
+        <p:txBody>
+          <a:bodyPr wrap="none" rtlCol="0">
+            <a:spAutoFit/>
+          </a:bodyPr>
+          <a:lstStyle/>
+          <a:p>
+            <a:r>
+              <a:rPr lang="ko-KR" altLang="en-US" sz="1800" dirty="0">
+                <a:ea typeface="KoPubWorld돋움체 Bold" panose="00000800000000000000" pitchFamily="2" charset="-127"/>
+                <a:cs typeface="KoPubWorld돋움체 Bold" panose="00000800000000000000" pitchFamily="2" charset="-127"/>
+              </a:rPr>
+              <a:t>게시판 로그 조회</a:t>
+            </a:r>
+            <a:endParaRPr lang="ko-KR" altLang="en-US" dirty="0"/>
+          </a:p>
+        </p:txBody>
+      </p:sp>
+      <p:sp>
+        <p:nvSpPr>
+          <p:cNvPr id="17" name="직사각형 16">
+            <a:extLst>
+              <a:ext uri="{FF2B5EF4-FFF2-40B4-BE49-F238E27FC236}">
+                <a16:creationId xmlns:a16="http://schemas.microsoft.com/office/drawing/2014/main" id="{EC72F20A-6759-312C-771F-C228165DBD35}"/>
+              </a:ext>
+            </a:extLst>
+          </p:cNvPr>
+          <p:cNvSpPr/>
+          <p:nvPr/>
+        </p:nvSpPr>
+        <p:spPr>
+          <a:xfrm>
+            <a:off x="6802629" y="1200006"/>
+            <a:ext cx="1963999" cy="610259"/>
+          </a:xfrm>
+          <a:prstGeom prst="rect">
+            <a:avLst/>
+          </a:prstGeom>
+        </p:spPr>
+        <p:style>
+          <a:lnRef idx="2">
+            <a:schemeClr val="dk1"/>
+          </a:lnRef>
+          <a:fillRef idx="1">
+            <a:schemeClr val="lt1"/>
+          </a:fillRef>
+          <a:effectRef idx="0">
+            <a:schemeClr val="dk1"/>
+          </a:effectRef>
+          <a:fontRef idx="minor">
+            <a:schemeClr val="dk1"/>
+          </a:fontRef>
+        </p:style>
+        <p:txBody>
+          <a:bodyPr rtlCol="0" anchor="ctr"/>
+          <a:lstStyle/>
+          <a:p>
+            <a:pPr algn="ctr"/>
+            <a:r>
+              <a:rPr lang="ko-KR" altLang="en-US" sz="1400" dirty="0"/>
+              <a:t>공지사항</a:t>
+            </a:r>
+            <a:endParaRPr lang="en-US" altLang="ko-KR" sz="1400" dirty="0"/>
+          </a:p>
+          <a:p>
+            <a:pPr algn="ctr"/>
+            <a:r>
+              <a:rPr lang="ko-KR" altLang="en-US" sz="1400" dirty="0"/>
+              <a:t>자유게시판</a:t>
+            </a:r>
+            <a:endParaRPr lang="en-US" altLang="ko-KR" sz="1400" dirty="0"/>
+          </a:p>
+          <a:p>
+            <a:pPr algn="ctr"/>
+            <a:r>
+              <a:rPr lang="ko-KR" altLang="en-US" sz="1400" dirty="0"/>
+              <a:t>게시판</a:t>
+            </a:r>
+            <a:r>
+              <a:rPr lang="en-US" altLang="ko-KR" sz="1400" dirty="0"/>
+              <a:t>1 …</a:t>
+            </a:r>
+            <a:endParaRPr lang="ko-KR" altLang="en-US" sz="1400" dirty="0"/>
+          </a:p>
+        </p:txBody>
+      </p:sp>
+      <p:sp>
+        <p:nvSpPr>
+          <p:cNvPr id="5" name="TextBox 4">
+            <a:extLst>
+              <a:ext uri="{FF2B5EF4-FFF2-40B4-BE49-F238E27FC236}">
+                <a16:creationId xmlns:a16="http://schemas.microsoft.com/office/drawing/2014/main" id="{00E0BC4B-E795-20C3-731C-5F50FEA16058}"/>
+              </a:ext>
+            </a:extLst>
+          </p:cNvPr>
+          <p:cNvSpPr txBox="1"/>
+          <p:nvPr/>
+        </p:nvSpPr>
+        <p:spPr>
+          <a:xfrm>
+            <a:off x="2105261" y="2832194"/>
+            <a:ext cx="7191392" cy="2031325"/>
+          </a:xfrm>
+          <a:prstGeom prst="rect">
+            <a:avLst/>
+          </a:prstGeom>
+          <a:noFill/>
+        </p:spPr>
+        <p:txBody>
+          <a:bodyPr wrap="none" rtlCol="0">
+            <a:spAutoFit/>
+          </a:bodyPr>
+          <a:lstStyle/>
+          <a:p>
+            <a:r>
+              <a:rPr lang="ko-KR" altLang="en-US" dirty="0"/>
+              <a:t>로그 </a:t>
+            </a:r>
+            <a:r>
+              <a:rPr lang="en-US" altLang="ko-KR" dirty="0"/>
+              <a:t>DB</a:t>
+            </a:r>
+            <a:r>
+              <a:rPr lang="ko-KR" altLang="en-US" dirty="0"/>
+              <a:t>화 </a:t>
+            </a:r>
+            <a:r>
+              <a:rPr lang="en-US" altLang="ko-KR" dirty="0"/>
+              <a:t>-&gt; </a:t>
+            </a:r>
+            <a:r>
+              <a:rPr lang="ko-KR" altLang="en-US" dirty="0"/>
+              <a:t>통계 데이터</a:t>
+            </a:r>
+            <a:r>
+              <a:rPr lang="en-US" altLang="ko-KR" dirty="0"/>
+              <a:t>???</a:t>
+            </a:r>
+          </a:p>
+          <a:p>
+            <a:r>
+              <a:rPr lang="ko-KR" altLang="en-US" dirty="0"/>
+              <a:t>로그 코드 정의 </a:t>
+            </a:r>
+            <a:r>
+              <a:rPr lang="en-US" altLang="ko-KR" dirty="0"/>
+              <a:t>-&gt; </a:t>
+            </a:r>
+            <a:r>
+              <a:rPr lang="ko-KR" altLang="en-US" dirty="0"/>
+              <a:t>서버</a:t>
+            </a:r>
+            <a:r>
+              <a:rPr lang="en-US" altLang="ko-KR" dirty="0"/>
+              <a:t>(</a:t>
+            </a:r>
+            <a:r>
+              <a:rPr lang="ko-KR" altLang="en-US" dirty="0" err="1"/>
+              <a:t>인터셉터</a:t>
+            </a:r>
+            <a:r>
+              <a:rPr lang="ko-KR" altLang="en-US" dirty="0"/>
+              <a:t> </a:t>
+            </a:r>
+            <a:r>
+              <a:rPr lang="en-US" altLang="ko-KR" dirty="0"/>
+              <a:t>or aspect) </a:t>
+            </a:r>
+            <a:r>
+              <a:rPr lang="ko-KR" altLang="en-US" dirty="0"/>
+              <a:t>로그 </a:t>
+            </a:r>
+            <a:r>
+              <a:rPr lang="en-US" altLang="ko-KR" dirty="0"/>
+              <a:t>DB</a:t>
+            </a:r>
+            <a:r>
+              <a:rPr lang="ko-KR" altLang="en-US" dirty="0"/>
+              <a:t>화</a:t>
+            </a:r>
+            <a:r>
+              <a:rPr lang="en-US" altLang="ko-KR" dirty="0"/>
+              <a:t>? Or </a:t>
+            </a:r>
+            <a:r>
+              <a:rPr lang="ko-KR" altLang="en-US"/>
+              <a:t>파일화 </a:t>
+            </a:r>
+            <a:endParaRPr lang="en-US" altLang="ko-KR" dirty="0"/>
+          </a:p>
+          <a:p>
+            <a:r>
+              <a:rPr lang="ko-KR" altLang="en-US" dirty="0"/>
+              <a:t>에러도 취급하고</a:t>
+            </a:r>
+            <a:endParaRPr lang="en-US" altLang="ko-KR" dirty="0"/>
+          </a:p>
+          <a:p>
+            <a:endParaRPr lang="en-US" altLang="ko-KR" dirty="0"/>
+          </a:p>
+          <a:p>
+            <a:endParaRPr lang="en-US" altLang="ko-KR" dirty="0"/>
+          </a:p>
+          <a:p>
+            <a:endParaRPr lang="en-US" altLang="ko-KR" dirty="0"/>
+          </a:p>
+          <a:p>
+            <a:r>
+              <a:rPr lang="ko-KR" altLang="en-US" dirty="0"/>
+              <a:t>로그</a:t>
+            </a:r>
+            <a:r>
+              <a:rPr lang="en-US" altLang="ko-KR" dirty="0"/>
+              <a:t>, </a:t>
+            </a:r>
+            <a:r>
+              <a:rPr lang="ko-KR" altLang="en-US" dirty="0"/>
+              <a:t>일 별 통계 조회</a:t>
+            </a:r>
+            <a:r>
+              <a:rPr lang="en-US" altLang="ko-KR" dirty="0"/>
+              <a:t>??</a:t>
+            </a:r>
+            <a:endParaRPr lang="ko-KR" altLang="en-US" dirty="0"/>
+          </a:p>
+        </p:txBody>
+      </p:sp>
+    </p:spTree>
+    <p:extLst>
+      <p:ext uri="{BB962C8B-B14F-4D97-AF65-F5344CB8AC3E}">
+        <p14:creationId xmlns:p14="http://schemas.microsoft.com/office/powerpoint/2010/main" val="1805808695"/>
+      </p:ext>
+    </p:extLst>
+  </p:cSld>
+  <p:clrMapOvr>
+    <a:masterClrMapping/>
+  </p:clrMapOvr>
+</p:sld>
+</file>
+
 <file path=ppt/slides/slide2.xml><?xml version="1.0" encoding="utf-8"?>
 <p:sld xmlns:a="http://schemas.openxmlformats.org/drawingml/2006/main" xmlns:r="http://schemas.openxmlformats.org/officeDocument/2006/relationships" xmlns:p="http://schemas.openxmlformats.org/presentationml/2006/main">
   <p:cSld>
@@ -8964,7 +12895,7 @@
         </p:nvSpPr>
         <p:spPr>
           <a:xfrm>
-            <a:off x="3889298" y="3990014"/>
+            <a:off x="3889298" y="4081637"/>
             <a:ext cx="3339403" cy="343232"/>
           </a:xfrm>
           <a:prstGeom prst="roundRect">
@@ -9015,7 +12946,7 @@
         </p:nvSpPr>
         <p:spPr>
           <a:xfrm>
-            <a:off x="3889298" y="4377398"/>
+            <a:off x="3889298" y="4469021"/>
             <a:ext cx="3339403" cy="343232"/>
           </a:xfrm>
           <a:prstGeom prst="roundRect">
@@ -9044,6 +12975,60 @@
             <a:r>
               <a:rPr lang="en-US" altLang="ko-KR" dirty="0"/>
               <a:t>Google ID</a:t>
+            </a:r>
+            <a:r>
+              <a:rPr lang="ko-KR" altLang="en-US" dirty="0"/>
+              <a:t>로 로그인</a:t>
+            </a:r>
+          </a:p>
+        </p:txBody>
+      </p:sp>
+      <p:sp>
+        <p:nvSpPr>
+          <p:cNvPr id="34" name="사각형: 둥근 모서리 33">
+            <a:extLst>
+              <a:ext uri="{FF2B5EF4-FFF2-40B4-BE49-F238E27FC236}">
+                <a16:creationId xmlns:a16="http://schemas.microsoft.com/office/drawing/2014/main" id="{53D590F2-FF92-CF9D-519A-F15F1B65B6E2}"/>
+              </a:ext>
+            </a:extLst>
+          </p:cNvPr>
+          <p:cNvSpPr/>
+          <p:nvPr/>
+        </p:nvSpPr>
+        <p:spPr>
+          <a:xfrm>
+            <a:off x="3889297" y="4862333"/>
+            <a:ext cx="3339403" cy="343232"/>
+          </a:xfrm>
+          <a:prstGeom prst="roundRect">
+            <a:avLst/>
+          </a:prstGeom>
+          <a:solidFill>
+            <a:schemeClr val="accent4"/>
+          </a:solidFill>
+        </p:spPr>
+        <p:style>
+          <a:lnRef idx="0">
+            <a:schemeClr val="accent6"/>
+          </a:lnRef>
+          <a:fillRef idx="3">
+            <a:schemeClr val="accent6"/>
+          </a:fillRef>
+          <a:effectRef idx="3">
+            <a:schemeClr val="accent6"/>
+          </a:effectRef>
+          <a:fontRef idx="minor">
+            <a:schemeClr val="lt1"/>
+          </a:fontRef>
+        </p:style>
+        <p:txBody>
+          <a:bodyPr rtlCol="0" anchor="ctr"/>
+          <a:lstStyle/>
+          <a:p>
+            <a:pPr algn="ctr"/>
+            <a:r>
+              <a:rPr lang="en-US" altLang="ko-KR" dirty="0"/>
+              <a:t>Kakao ID</a:t>
             </a:r>
             <a:r>
               <a:rPr lang="ko-KR" altLang="en-US" dirty="0"/>
